--- a/assets/pptx/LC21.pptx
+++ b/assets/pptx/LC21.pptx
@@ -9,28 +9,26 @@
     <p:sldId id="288" r:id="rId3"/>
     <p:sldId id="289" r:id="rId4"/>
     <p:sldId id="290" r:id="rId5"/>
-    <p:sldId id="262" r:id="rId6"/>
-    <p:sldId id="263" r:id="rId7"/>
-    <p:sldId id="264" r:id="rId8"/>
-    <p:sldId id="270" r:id="rId9"/>
-    <p:sldId id="269" r:id="rId10"/>
-    <p:sldId id="274" r:id="rId11"/>
-    <p:sldId id="272" r:id="rId12"/>
-    <p:sldId id="273" r:id="rId13"/>
-    <p:sldId id="275" r:id="rId14"/>
-    <p:sldId id="279" r:id="rId15"/>
-    <p:sldId id="280" r:id="rId16"/>
-    <p:sldId id="271" r:id="rId17"/>
-    <p:sldId id="284" r:id="rId18"/>
-    <p:sldId id="285" r:id="rId19"/>
-    <p:sldId id="276" r:id="rId20"/>
-    <p:sldId id="277" r:id="rId21"/>
-    <p:sldId id="286" r:id="rId22"/>
-    <p:sldId id="282" r:id="rId23"/>
-    <p:sldId id="283" r:id="rId24"/>
-    <p:sldId id="281" r:id="rId25"/>
-    <p:sldId id="287" r:id="rId26"/>
-    <p:sldId id="291" r:id="rId27"/>
+    <p:sldId id="292" r:id="rId6"/>
+    <p:sldId id="293" r:id="rId7"/>
+    <p:sldId id="269" r:id="rId8"/>
+    <p:sldId id="274" r:id="rId9"/>
+    <p:sldId id="272" r:id="rId10"/>
+    <p:sldId id="273" r:id="rId11"/>
+    <p:sldId id="275" r:id="rId12"/>
+    <p:sldId id="279" r:id="rId13"/>
+    <p:sldId id="280" r:id="rId14"/>
+    <p:sldId id="271" r:id="rId15"/>
+    <p:sldId id="284" r:id="rId16"/>
+    <p:sldId id="285" r:id="rId17"/>
+    <p:sldId id="276" r:id="rId18"/>
+    <p:sldId id="277" r:id="rId19"/>
+    <p:sldId id="286" r:id="rId20"/>
+    <p:sldId id="282" r:id="rId21"/>
+    <p:sldId id="283" r:id="rId22"/>
+    <p:sldId id="281" r:id="rId23"/>
+    <p:sldId id="287" r:id="rId24"/>
+    <p:sldId id="291" r:id="rId25"/>
   </p:sldIdLst>
   <p:sldSz cx="12192000" cy="6858000"/>
   <p:notesSz cx="6858000" cy="9144000"/>
@@ -284,7 +282,7 @@
           <a:p>
             <a:fld id="{0A37D5FC-4C50-4F81-B43C-6C7A79B30E9E}" type="datetimeFigureOut">
               <a:rPr lang="fr-FR" smtClean="0"/>
-              <a:t>20/06/2021</a:t>
+              <a:t>27/06/2021</a:t>
             </a:fld>
             <a:endParaRPr lang="fr-FR"/>
           </a:p>
@@ -482,7 +480,7 @@
           <a:p>
             <a:fld id="{0A37D5FC-4C50-4F81-B43C-6C7A79B30E9E}" type="datetimeFigureOut">
               <a:rPr lang="fr-FR" smtClean="0"/>
-              <a:t>20/06/2021</a:t>
+              <a:t>27/06/2021</a:t>
             </a:fld>
             <a:endParaRPr lang="fr-FR"/>
           </a:p>
@@ -690,7 +688,7 @@
           <a:p>
             <a:fld id="{0A37D5FC-4C50-4F81-B43C-6C7A79B30E9E}" type="datetimeFigureOut">
               <a:rPr lang="fr-FR" smtClean="0"/>
-              <a:t>20/06/2021</a:t>
+              <a:t>27/06/2021</a:t>
             </a:fld>
             <a:endParaRPr lang="fr-FR"/>
           </a:p>
@@ -888,7 +886,7 @@
           <a:p>
             <a:fld id="{0A37D5FC-4C50-4F81-B43C-6C7A79B30E9E}" type="datetimeFigureOut">
               <a:rPr lang="fr-FR" smtClean="0"/>
-              <a:t>20/06/2021</a:t>
+              <a:t>27/06/2021</a:t>
             </a:fld>
             <a:endParaRPr lang="fr-FR"/>
           </a:p>
@@ -1163,7 +1161,7 @@
           <a:p>
             <a:fld id="{0A37D5FC-4C50-4F81-B43C-6C7A79B30E9E}" type="datetimeFigureOut">
               <a:rPr lang="fr-FR" smtClean="0"/>
-              <a:t>20/06/2021</a:t>
+              <a:t>27/06/2021</a:t>
             </a:fld>
             <a:endParaRPr lang="fr-FR"/>
           </a:p>
@@ -1428,7 +1426,7 @@
           <a:p>
             <a:fld id="{0A37D5FC-4C50-4F81-B43C-6C7A79B30E9E}" type="datetimeFigureOut">
               <a:rPr lang="fr-FR" smtClean="0"/>
-              <a:t>20/06/2021</a:t>
+              <a:t>27/06/2021</a:t>
             </a:fld>
             <a:endParaRPr lang="fr-FR"/>
           </a:p>
@@ -1840,7 +1838,7 @@
           <a:p>
             <a:fld id="{0A37D5FC-4C50-4F81-B43C-6C7A79B30E9E}" type="datetimeFigureOut">
               <a:rPr lang="fr-FR" smtClean="0"/>
-              <a:t>20/06/2021</a:t>
+              <a:t>27/06/2021</a:t>
             </a:fld>
             <a:endParaRPr lang="fr-FR"/>
           </a:p>
@@ -1981,7 +1979,7 @@
           <a:p>
             <a:fld id="{0A37D5FC-4C50-4F81-B43C-6C7A79B30E9E}" type="datetimeFigureOut">
               <a:rPr lang="fr-FR" smtClean="0"/>
-              <a:t>20/06/2021</a:t>
+              <a:t>27/06/2021</a:t>
             </a:fld>
             <a:endParaRPr lang="fr-FR"/>
           </a:p>
@@ -2094,7 +2092,7 @@
           <a:p>
             <a:fld id="{0A37D5FC-4C50-4F81-B43C-6C7A79B30E9E}" type="datetimeFigureOut">
               <a:rPr lang="fr-FR" smtClean="0"/>
-              <a:t>20/06/2021</a:t>
+              <a:t>27/06/2021</a:t>
             </a:fld>
             <a:endParaRPr lang="fr-FR"/>
           </a:p>
@@ -2405,7 +2403,7 @@
           <a:p>
             <a:fld id="{0A37D5FC-4C50-4F81-B43C-6C7A79B30E9E}" type="datetimeFigureOut">
               <a:rPr lang="fr-FR" smtClean="0"/>
-              <a:t>20/06/2021</a:t>
+              <a:t>27/06/2021</a:t>
             </a:fld>
             <a:endParaRPr lang="fr-FR"/>
           </a:p>
@@ -2693,7 +2691,7 @@
           <a:p>
             <a:fld id="{0A37D5FC-4C50-4F81-B43C-6C7A79B30E9E}" type="datetimeFigureOut">
               <a:rPr lang="fr-FR" smtClean="0"/>
-              <a:t>20/06/2021</a:t>
+              <a:t>27/06/2021</a:t>
             </a:fld>
             <a:endParaRPr lang="fr-FR"/>
           </a:p>
@@ -2934,7 +2932,7 @@
           <a:p>
             <a:fld id="{0A37D5FC-4C50-4F81-B43C-6C7A79B30E9E}" type="datetimeFigureOut">
               <a:rPr lang="fr-FR" smtClean="0"/>
-              <a:t>20/06/2021</a:t>
+              <a:t>27/06/2021</a:t>
             </a:fld>
             <a:endParaRPr lang="fr-FR"/>
           </a:p>
@@ -3894,545 +3892,6 @@
               </a:rPr>
               <a:t>dégénérescence de l’ordre</a:t>
             </a:r>
-          </a:p>
-        </p:txBody>
-      </p:sp>
-      <p:sp>
-        <p:nvSpPr>
-          <p:cNvPr id="4" name="Espace réservé du contenu 3"/>
-          <p:cNvSpPr>
-            <a:spLocks noGrp="1"/>
-          </p:cNvSpPr>
-          <p:nvPr>
-            <p:ph idx="1"/>
-          </p:nvPr>
-        </p:nvSpPr>
-        <p:spPr/>
-        <p:txBody>
-          <a:bodyPr/>
-          <a:lstStyle/>
-          <a:p>
-            <a:pPr marL="0" indent="0">
-              <a:buNone/>
-            </a:pPr>
-            <a:endParaRPr lang="fr-FR" dirty="0"/>
-          </a:p>
-          <a:p>
-            <a:r>
-              <a:rPr lang="fr-FR" dirty="0"/>
-              <a:t>Modèle utilisé : </a:t>
-            </a:r>
-          </a:p>
-          <a:p>
-            <a:endParaRPr lang="fr-FR" dirty="0"/>
-          </a:p>
-          <a:p>
-            <a:endParaRPr lang="fr-FR" dirty="0"/>
-          </a:p>
-        </p:txBody>
-      </p:sp>
-      <p:pic>
-        <p:nvPicPr>
-          <p:cNvPr id="5" name="Image 4"/>
-          <p:cNvPicPr>
-            <a:picLocks noChangeAspect="1"/>
-          </p:cNvPicPr>
-          <p:nvPr/>
-        </p:nvPicPr>
-        <p:blipFill>
-          <a:blip r:embed="rId2"/>
-          <a:stretch>
-            <a:fillRect/>
-          </a:stretch>
-        </p:blipFill>
-        <p:spPr>
-          <a:xfrm>
-            <a:off x="9337862" y="2220119"/>
-            <a:ext cx="1638300" cy="1781175"/>
-          </a:xfrm>
-          <a:prstGeom prst="rect">
-            <a:avLst/>
-          </a:prstGeom>
-        </p:spPr>
-      </p:pic>
-      <p:sp>
-        <p:nvSpPr>
-          <p:cNvPr id="8" name="ZoneTexte 7"/>
-          <p:cNvSpPr txBox="1"/>
-          <p:nvPr/>
-        </p:nvSpPr>
-        <p:spPr>
-          <a:xfrm>
-            <a:off x="9646023" y="2849096"/>
-            <a:ext cx="1021977" cy="523220"/>
-          </a:xfrm>
-          <a:prstGeom prst="rect">
-            <a:avLst/>
-          </a:prstGeom>
-          <a:noFill/>
-        </p:spPr>
-        <p:txBody>
-          <a:bodyPr wrap="square" rtlCol="0">
-            <a:spAutoFit/>
-          </a:bodyPr>
-          <a:lstStyle/>
-          <a:p>
-            <a:r>
-              <a:rPr lang="fr-FR" sz="2800" dirty="0">
-                <a:solidFill>
-                  <a:srgbClr val="002060"/>
-                </a:solidFill>
-              </a:rPr>
-              <a:t>[B](t)</a:t>
-            </a:r>
-          </a:p>
-        </p:txBody>
-      </p:sp>
-      <p:pic>
-        <p:nvPicPr>
-          <p:cNvPr id="11268" name="Picture 4" descr="https://latex.codecogs.com/gif.latex?%5Cdpi%7B200%7D%20%5Chuge%20v%3Dk%5BClO%5E-%5D%5E%5Cbeta%20%5BB%5D%5E%5Calpha"/>
-          <p:cNvPicPr>
-            <a:picLocks noChangeAspect="1" noChangeArrowheads="1"/>
-          </p:cNvPicPr>
-          <p:nvPr/>
-        </p:nvPicPr>
-        <p:blipFill>
-          <a:blip r:embed="rId3">
-            <a:extLst>
-              <a:ext uri="{28A0092B-C50C-407E-A947-70E740481C1C}">
-                <a14:useLocalDpi xmlns:a14="http://schemas.microsoft.com/office/drawing/2010/main" val="0"/>
-              </a:ext>
-            </a:extLst>
-          </a:blip>
-          <a:srcRect/>
-          <a:stretch>
-            <a:fillRect/>
-          </a:stretch>
-        </p:blipFill>
-        <p:spPr bwMode="auto">
-          <a:xfrm>
-            <a:off x="3784973" y="2029945"/>
-            <a:ext cx="5019675" cy="819151"/>
-          </a:xfrm>
-          <a:prstGeom prst="rect">
-            <a:avLst/>
-          </a:prstGeom>
-          <a:noFill/>
-          <a:extLst>
-            <a:ext uri="{909E8E84-426E-40DD-AFC4-6F175D3DCCD1}">
-              <a14:hiddenFill xmlns:a14="http://schemas.microsoft.com/office/drawing/2010/main">
-                <a:solidFill>
-                  <a:srgbClr val="FFFFFF"/>
-                </a:solidFill>
-              </a14:hiddenFill>
-            </a:ext>
-          </a:extLst>
-        </p:spPr>
-      </p:pic>
-    </p:spTree>
-    <p:extLst>
-      <p:ext uri="{BB962C8B-B14F-4D97-AF65-F5344CB8AC3E}">
-        <p14:creationId xmlns:p14="http://schemas.microsoft.com/office/powerpoint/2010/main" val="2381062719"/>
-      </p:ext>
-    </p:extLst>
-  </p:cSld>
-  <p:clrMapOvr>
-    <a:masterClrMapping/>
-  </p:clrMapOvr>
-</p:sld>
-</file>
-
-<file path=ppt/slides/slide11.xml><?xml version="1.0" encoding="utf-8"?>
-<p:sld xmlns:a="http://schemas.openxmlformats.org/drawingml/2006/main" xmlns:r="http://schemas.openxmlformats.org/officeDocument/2006/relationships" xmlns:p="http://schemas.openxmlformats.org/presentationml/2006/main">
-  <p:cSld>
-    <p:spTree>
-      <p:nvGrpSpPr>
-        <p:cNvPr id="1" name=""/>
-        <p:cNvGrpSpPr/>
-        <p:nvPr/>
-      </p:nvGrpSpPr>
-      <p:grpSpPr>
-        <a:xfrm>
-          <a:off x="0" y="0"/>
-          <a:ext cx="0" cy="0"/>
-          <a:chOff x="0" y="0"/>
-          <a:chExt cx="0" cy="0"/>
-        </a:xfrm>
-      </p:grpSpPr>
-      <p:sp>
-        <p:nvSpPr>
-          <p:cNvPr id="2" name="Titre 1"/>
-          <p:cNvSpPr>
-            <a:spLocks noGrp="1"/>
-          </p:cNvSpPr>
-          <p:nvPr>
-            <p:ph type="title"/>
-          </p:nvPr>
-        </p:nvSpPr>
-        <p:spPr/>
-        <p:txBody>
-          <a:bodyPr/>
-          <a:lstStyle/>
-          <a:p>
-            <a:pPr algn="ctr"/>
-            <a:r>
-              <a:rPr lang="fr-FR" u="sng" dirty="0">
-                <a:solidFill>
-                  <a:srgbClr val="002060"/>
-                </a:solidFill>
-                <a:latin typeface="+mn-lt"/>
-              </a:rPr>
-              <a:t>Expérience de suivi de la décoloration de l’érythrosine B :</a:t>
-            </a:r>
-            <a:r>
-              <a:rPr lang="fr-FR" dirty="0">
-                <a:solidFill>
-                  <a:srgbClr val="002060"/>
-                </a:solidFill>
-                <a:latin typeface="+mn-lt"/>
-              </a:rPr>
-              <a:t> </a:t>
-            </a:r>
-            <a:r>
-              <a:rPr lang="fr-FR" b="1" dirty="0">
-                <a:solidFill>
-                  <a:srgbClr val="002060"/>
-                </a:solidFill>
-                <a:latin typeface="+mn-lt"/>
-              </a:rPr>
-              <a:t>dégénérescence de l’ordre</a:t>
-            </a:r>
-            <a:endParaRPr lang="fr-FR" b="1" u="sng" dirty="0">
-              <a:solidFill>
-                <a:srgbClr val="002060"/>
-              </a:solidFill>
-              <a:latin typeface="+mn-lt"/>
-            </a:endParaRPr>
-          </a:p>
-        </p:txBody>
-      </p:sp>
-      <p:sp>
-        <p:nvSpPr>
-          <p:cNvPr id="4" name="Espace réservé du contenu 3"/>
-          <p:cNvSpPr>
-            <a:spLocks noGrp="1"/>
-          </p:cNvSpPr>
-          <p:nvPr>
-            <p:ph idx="1"/>
-          </p:nvPr>
-        </p:nvSpPr>
-        <p:spPr/>
-        <p:txBody>
-          <a:bodyPr/>
-          <a:lstStyle/>
-          <a:p>
-            <a:pPr marL="0" indent="0">
-              <a:buNone/>
-            </a:pPr>
-            <a:endParaRPr lang="fr-FR" dirty="0"/>
-          </a:p>
-          <a:p>
-            <a:r>
-              <a:rPr lang="fr-FR" dirty="0"/>
-              <a:t>Modèle utilisé : </a:t>
-            </a:r>
-          </a:p>
-          <a:p>
-            <a:endParaRPr lang="fr-FR" dirty="0"/>
-          </a:p>
-          <a:p>
-            <a:endParaRPr lang="fr-FR" dirty="0"/>
-          </a:p>
-          <a:p>
-            <a:r>
-              <a:rPr lang="fr-FR" dirty="0"/>
-              <a:t>Méthode de </a:t>
-            </a:r>
-            <a:r>
-              <a:rPr lang="fr-FR" u="sng" dirty="0"/>
-              <a:t>dégénérescence de l’ordre</a:t>
-            </a:r>
-            <a:r>
-              <a:rPr lang="fr-FR" dirty="0"/>
-              <a:t>, </a:t>
-            </a:r>
-            <a:r>
-              <a:rPr lang="fr-FR" b="1" dirty="0" err="1"/>
-              <a:t>ClO</a:t>
-            </a:r>
-            <a:r>
-              <a:rPr lang="fr-FR" b="1" baseline="30000" dirty="0"/>
-              <a:t>-</a:t>
-            </a:r>
-            <a:r>
-              <a:rPr lang="fr-FR" b="1" dirty="0"/>
-              <a:t> en large excès</a:t>
-            </a:r>
-            <a:r>
-              <a:rPr lang="fr-FR" dirty="0"/>
-              <a:t>: </a:t>
-            </a:r>
-          </a:p>
-        </p:txBody>
-      </p:sp>
-      <p:pic>
-        <p:nvPicPr>
-          <p:cNvPr id="5" name="Image 4"/>
-          <p:cNvPicPr>
-            <a:picLocks noChangeAspect="1"/>
-          </p:cNvPicPr>
-          <p:nvPr/>
-        </p:nvPicPr>
-        <p:blipFill>
-          <a:blip r:embed="rId2"/>
-          <a:stretch>
-            <a:fillRect/>
-          </a:stretch>
-        </p:blipFill>
-        <p:spPr>
-          <a:xfrm>
-            <a:off x="9337862" y="2220119"/>
-            <a:ext cx="1638300" cy="1781175"/>
-          </a:xfrm>
-          <a:prstGeom prst="rect">
-            <a:avLst/>
-          </a:prstGeom>
-        </p:spPr>
-      </p:pic>
-      <p:sp>
-        <p:nvSpPr>
-          <p:cNvPr id="8" name="ZoneTexte 7"/>
-          <p:cNvSpPr txBox="1"/>
-          <p:nvPr/>
-        </p:nvSpPr>
-        <p:spPr>
-          <a:xfrm>
-            <a:off x="9646023" y="2849096"/>
-            <a:ext cx="1021977" cy="523220"/>
-          </a:xfrm>
-          <a:prstGeom prst="rect">
-            <a:avLst/>
-          </a:prstGeom>
-          <a:noFill/>
-        </p:spPr>
-        <p:txBody>
-          <a:bodyPr wrap="square" rtlCol="0">
-            <a:spAutoFit/>
-          </a:bodyPr>
-          <a:lstStyle/>
-          <a:p>
-            <a:r>
-              <a:rPr lang="fr-FR" sz="2800" dirty="0">
-                <a:solidFill>
-                  <a:srgbClr val="002060"/>
-                </a:solidFill>
-              </a:rPr>
-              <a:t>[B](t)</a:t>
-            </a:r>
-          </a:p>
-        </p:txBody>
-      </p:sp>
-      <p:pic>
-        <p:nvPicPr>
-          <p:cNvPr id="11268" name="Picture 4" descr="https://latex.codecogs.com/gif.latex?%5Cdpi%7B200%7D%20%5Chuge%20v%3Dk%5BClO%5E-%5D%5E%5Cbeta%20%5BB%5D%5E%5Calpha"/>
-          <p:cNvPicPr>
-            <a:picLocks noChangeAspect="1" noChangeArrowheads="1"/>
-          </p:cNvPicPr>
-          <p:nvPr/>
-        </p:nvPicPr>
-        <p:blipFill>
-          <a:blip r:embed="rId3">
-            <a:extLst>
-              <a:ext uri="{28A0092B-C50C-407E-A947-70E740481C1C}">
-                <a14:useLocalDpi xmlns:a14="http://schemas.microsoft.com/office/drawing/2010/main" val="0"/>
-              </a:ext>
-            </a:extLst>
-          </a:blip>
-          <a:srcRect/>
-          <a:stretch>
-            <a:fillRect/>
-          </a:stretch>
-        </p:blipFill>
-        <p:spPr bwMode="auto">
-          <a:xfrm>
-            <a:off x="3784973" y="2029945"/>
-            <a:ext cx="5019675" cy="819151"/>
-          </a:xfrm>
-          <a:prstGeom prst="rect">
-            <a:avLst/>
-          </a:prstGeom>
-          <a:noFill/>
-          <a:extLst>
-            <a:ext uri="{909E8E84-426E-40DD-AFC4-6F175D3DCCD1}">
-              <a14:hiddenFill xmlns:a14="http://schemas.microsoft.com/office/drawing/2010/main">
-                <a:solidFill>
-                  <a:srgbClr val="FFFFFF"/>
-                </a:solidFill>
-              </a14:hiddenFill>
-            </a:ext>
-          </a:extLst>
-        </p:spPr>
-      </p:pic>
-      <p:pic>
-        <p:nvPicPr>
-          <p:cNvPr id="11270" name="Picture 6" descr="https://latex.codecogs.com/gif.latex?%5Cdpi%7B200%7D%20%5Chuge%20k%5BClO%5E-%5D%5E%5Cbeta%3Dcte%3Dk_%7Bapp%7D"/>
-          <p:cNvPicPr>
-            <a:picLocks noChangeAspect="1" noChangeArrowheads="1"/>
-          </p:cNvPicPr>
-          <p:nvPr/>
-        </p:nvPicPr>
-        <p:blipFill>
-          <a:blip r:embed="rId4">
-            <a:extLst>
-              <a:ext uri="{28A0092B-C50C-407E-A947-70E740481C1C}">
-                <a14:useLocalDpi xmlns:a14="http://schemas.microsoft.com/office/drawing/2010/main" val="0"/>
-              </a:ext>
-            </a:extLst>
-          </a:blip>
-          <a:srcRect/>
-          <a:stretch>
-            <a:fillRect/>
-          </a:stretch>
-        </p:blipFill>
-        <p:spPr bwMode="auto">
-          <a:xfrm>
-            <a:off x="2293657" y="4550802"/>
-            <a:ext cx="6286500" cy="857251"/>
-          </a:xfrm>
-          <a:prstGeom prst="rect">
-            <a:avLst/>
-          </a:prstGeom>
-          <a:noFill/>
-          <a:extLst>
-            <a:ext uri="{909E8E84-426E-40DD-AFC4-6F175D3DCCD1}">
-              <a14:hiddenFill xmlns:a14="http://schemas.microsoft.com/office/drawing/2010/main">
-                <a:solidFill>
-                  <a:srgbClr val="FFFFFF"/>
-                </a:solidFill>
-              </a14:hiddenFill>
-            </a:ext>
-          </a:extLst>
-        </p:spPr>
-      </p:pic>
-      <p:sp>
-        <p:nvSpPr>
-          <p:cNvPr id="14" name="Rectangle 13"/>
-          <p:cNvSpPr/>
-          <p:nvPr/>
-        </p:nvSpPr>
-        <p:spPr>
-          <a:xfrm>
-            <a:off x="1913497" y="4415865"/>
-            <a:ext cx="6891151" cy="1045404"/>
-          </a:xfrm>
-          <a:prstGeom prst="rect">
-            <a:avLst/>
-          </a:prstGeom>
-          <a:noFill/>
-          <a:ln w="57150">
-            <a:solidFill>
-              <a:srgbClr val="FF0000"/>
-            </a:solidFill>
-          </a:ln>
-        </p:spPr>
-        <p:style>
-          <a:lnRef idx="2">
-            <a:schemeClr val="accent1">
-              <a:shade val="50000"/>
-            </a:schemeClr>
-          </a:lnRef>
-          <a:fillRef idx="1">
-            <a:schemeClr val="accent1"/>
-          </a:fillRef>
-          <a:effectRef idx="0">
-            <a:schemeClr val="accent1"/>
-          </a:effectRef>
-          <a:fontRef idx="minor">
-            <a:schemeClr val="lt1"/>
-          </a:fontRef>
-        </p:style>
-        <p:txBody>
-          <a:bodyPr rtlCol="0" anchor="ctr"/>
-          <a:lstStyle/>
-          <a:p>
-            <a:pPr algn="ctr"/>
-            <a:endParaRPr lang="fr-FR"/>
-          </a:p>
-        </p:txBody>
-      </p:sp>
-    </p:spTree>
-    <p:extLst>
-      <p:ext uri="{BB962C8B-B14F-4D97-AF65-F5344CB8AC3E}">
-        <p14:creationId xmlns:p14="http://schemas.microsoft.com/office/powerpoint/2010/main" val="1788348670"/>
-      </p:ext>
-    </p:extLst>
-  </p:cSld>
-  <p:clrMapOvr>
-    <a:masterClrMapping/>
-  </p:clrMapOvr>
-</p:sld>
-</file>
-
-<file path=ppt/slides/slide12.xml><?xml version="1.0" encoding="utf-8"?>
-<p:sld xmlns:a="http://schemas.openxmlformats.org/drawingml/2006/main" xmlns:r="http://schemas.openxmlformats.org/officeDocument/2006/relationships" xmlns:p="http://schemas.openxmlformats.org/presentationml/2006/main">
-  <p:cSld>
-    <p:spTree>
-      <p:nvGrpSpPr>
-        <p:cNvPr id="1" name=""/>
-        <p:cNvGrpSpPr/>
-        <p:nvPr/>
-      </p:nvGrpSpPr>
-      <p:grpSpPr>
-        <a:xfrm>
-          <a:off x="0" y="0"/>
-          <a:ext cx="0" cy="0"/>
-          <a:chOff x="0" y="0"/>
-          <a:chExt cx="0" cy="0"/>
-        </a:xfrm>
-      </p:grpSpPr>
-      <p:sp>
-        <p:nvSpPr>
-          <p:cNvPr id="2" name="Titre 1"/>
-          <p:cNvSpPr>
-            <a:spLocks noGrp="1"/>
-          </p:cNvSpPr>
-          <p:nvPr>
-            <p:ph type="title"/>
-          </p:nvPr>
-        </p:nvSpPr>
-        <p:spPr/>
-        <p:txBody>
-          <a:bodyPr/>
-          <a:lstStyle/>
-          <a:p>
-            <a:pPr algn="ctr"/>
-            <a:r>
-              <a:rPr lang="fr-FR" u="sng" dirty="0">
-                <a:solidFill>
-                  <a:srgbClr val="002060"/>
-                </a:solidFill>
-                <a:latin typeface="+mn-lt"/>
-              </a:rPr>
-              <a:t>Expérience de suivi de la décoloration de l’érythrosine B :</a:t>
-            </a:r>
-            <a:r>
-              <a:rPr lang="fr-FR" dirty="0">
-                <a:solidFill>
-                  <a:srgbClr val="002060"/>
-                </a:solidFill>
-                <a:latin typeface="+mn-lt"/>
-              </a:rPr>
-              <a:t> </a:t>
-            </a:r>
-            <a:r>
-              <a:rPr lang="fr-FR" b="1" dirty="0">
-                <a:solidFill>
-                  <a:srgbClr val="002060"/>
-                </a:solidFill>
-                <a:latin typeface="+mn-lt"/>
-              </a:rPr>
-              <a:t>dégénérescence de l’ordre</a:t>
-            </a:r>
             <a:endParaRPr lang="fr-FR" u="sng" dirty="0">
               <a:solidFill>
                 <a:srgbClr val="002060"/>
@@ -4875,7 +4334,7 @@
 </p:sld>
 </file>
 
-<file path=ppt/slides/slide13.xml><?xml version="1.0" encoding="utf-8"?>
+<file path=ppt/slides/slide11.xml><?xml version="1.0" encoding="utf-8"?>
 <p:sld xmlns:a="http://schemas.openxmlformats.org/drawingml/2006/main" xmlns:r="http://schemas.openxmlformats.org/officeDocument/2006/relationships" xmlns:p="http://schemas.openxmlformats.org/presentationml/2006/main">
   <p:cSld>
     <p:spTree>
@@ -5410,7 +4869,7 @@
 </p:sld>
 </file>
 
-<file path=ppt/slides/slide14.xml><?xml version="1.0" encoding="utf-8"?>
+<file path=ppt/slides/slide12.xml><?xml version="1.0" encoding="utf-8"?>
 <p:sld xmlns:a="http://schemas.openxmlformats.org/drawingml/2006/main" xmlns:r="http://schemas.openxmlformats.org/officeDocument/2006/relationships" xmlns:p="http://schemas.openxmlformats.org/presentationml/2006/main">
   <p:cSld>
     <p:spTree>
@@ -5491,7 +4950,7 @@
 </p:sld>
 </file>
 
-<file path=ppt/slides/slide15.xml><?xml version="1.0" encoding="utf-8"?>
+<file path=ppt/slides/slide13.xml><?xml version="1.0" encoding="utf-8"?>
 <p:sld xmlns:a="http://schemas.openxmlformats.org/drawingml/2006/main" xmlns:r="http://schemas.openxmlformats.org/officeDocument/2006/relationships" xmlns:p="http://schemas.openxmlformats.org/presentationml/2006/main">
   <p:cSld>
     <p:spTree>
@@ -5608,7 +5067,7 @@
 </p:sld>
 </file>
 
-<file path=ppt/slides/slide16.xml><?xml version="1.0" encoding="utf-8"?>
+<file path=ppt/slides/slide14.xml><?xml version="1.0" encoding="utf-8"?>
 <p:sld xmlns:a="http://schemas.openxmlformats.org/drawingml/2006/main" xmlns:r="http://schemas.openxmlformats.org/officeDocument/2006/relationships" xmlns:p="http://schemas.openxmlformats.org/presentationml/2006/main">
   <p:cSld>
     <p:spTree>
@@ -5762,7 +5221,7 @@
 </p:sld>
 </file>
 
-<file path=ppt/slides/slide17.xml><?xml version="1.0" encoding="utf-8"?>
+<file path=ppt/slides/slide15.xml><?xml version="1.0" encoding="utf-8"?>
 <p:sld xmlns:a="http://schemas.openxmlformats.org/drawingml/2006/main" xmlns:r="http://schemas.openxmlformats.org/officeDocument/2006/relationships" xmlns:p="http://schemas.openxmlformats.org/presentationml/2006/main">
   <p:cSld>
     <p:spTree>
@@ -6076,7 +5535,7 @@
 </p:sld>
 </file>
 
-<file path=ppt/slides/slide18.xml><?xml version="1.0" encoding="utf-8"?>
+<file path=ppt/slides/slide16.xml><?xml version="1.0" encoding="utf-8"?>
 <p:sld xmlns:a="http://schemas.openxmlformats.org/drawingml/2006/main" xmlns:r="http://schemas.openxmlformats.org/officeDocument/2006/relationships" xmlns:p="http://schemas.openxmlformats.org/presentationml/2006/main">
   <p:cSld>
     <p:spTree>
@@ -6390,7 +5849,7 @@
 </p:sld>
 </file>
 
-<file path=ppt/slides/slide19.xml><?xml version="1.0" encoding="utf-8"?>
+<file path=ppt/slides/slide17.xml><?xml version="1.0" encoding="utf-8"?>
 <p:sld xmlns:a="http://schemas.openxmlformats.org/drawingml/2006/main" xmlns:r="http://schemas.openxmlformats.org/officeDocument/2006/relationships" xmlns:p="http://schemas.openxmlformats.org/presentationml/2006/main">
   <p:cSld>
     <p:spTree>
@@ -6811,6 +6270,857 @@
     <p:extLst>
       <p:ext uri="{BB962C8B-B14F-4D97-AF65-F5344CB8AC3E}">
         <p14:creationId xmlns:p14="http://schemas.microsoft.com/office/powerpoint/2010/main" val="1217166824"/>
+      </p:ext>
+    </p:extLst>
+  </p:cSld>
+  <p:clrMapOvr>
+    <a:masterClrMapping/>
+  </p:clrMapOvr>
+</p:sld>
+</file>
+
+<file path=ppt/slides/slide18.xml><?xml version="1.0" encoding="utf-8"?>
+<p:sld xmlns:a="http://schemas.openxmlformats.org/drawingml/2006/main" xmlns:r="http://schemas.openxmlformats.org/officeDocument/2006/relationships" xmlns:p="http://schemas.openxmlformats.org/presentationml/2006/main">
+  <p:cSld>
+    <p:spTree>
+      <p:nvGrpSpPr>
+        <p:cNvPr id="1" name=""/>
+        <p:cNvGrpSpPr/>
+        <p:nvPr/>
+      </p:nvGrpSpPr>
+      <p:grpSpPr>
+        <a:xfrm>
+          <a:off x="0" y="0"/>
+          <a:ext cx="0" cy="0"/>
+          <a:chOff x="0" y="0"/>
+          <a:chExt cx="0" cy="0"/>
+        </a:xfrm>
+      </p:grpSpPr>
+      <p:sp>
+        <p:nvSpPr>
+          <p:cNvPr id="4" name="Espace réservé du contenu 3"/>
+          <p:cNvSpPr>
+            <a:spLocks noGrp="1"/>
+          </p:cNvSpPr>
+          <p:nvPr>
+            <p:ph idx="1"/>
+          </p:nvPr>
+        </p:nvSpPr>
+        <p:spPr/>
+        <p:txBody>
+          <a:bodyPr/>
+          <a:lstStyle/>
+          <a:p>
+            <a:pPr marL="0" indent="0">
+              <a:buNone/>
+            </a:pPr>
+            <a:endParaRPr lang="fr-FR" dirty="0"/>
+          </a:p>
+          <a:p>
+            <a:endParaRPr lang="fr-FR" dirty="0"/>
+          </a:p>
+          <a:p>
+            <a:endParaRPr lang="fr-FR" dirty="0"/>
+          </a:p>
+        </p:txBody>
+      </p:sp>
+      <p:pic>
+        <p:nvPicPr>
+          <p:cNvPr id="5" name="Image 4"/>
+          <p:cNvPicPr>
+            <a:picLocks noChangeAspect="1"/>
+          </p:cNvPicPr>
+          <p:nvPr/>
+        </p:nvPicPr>
+        <p:blipFill>
+          <a:blip r:embed="rId2"/>
+          <a:stretch>
+            <a:fillRect/>
+          </a:stretch>
+        </p:blipFill>
+        <p:spPr>
+          <a:xfrm>
+            <a:off x="9337862" y="2220119"/>
+            <a:ext cx="1638300" cy="1781175"/>
+          </a:xfrm>
+          <a:prstGeom prst="rect">
+            <a:avLst/>
+          </a:prstGeom>
+        </p:spPr>
+      </p:pic>
+      <p:sp>
+        <p:nvSpPr>
+          <p:cNvPr id="8" name="ZoneTexte 7"/>
+          <p:cNvSpPr txBox="1"/>
+          <p:nvPr/>
+        </p:nvSpPr>
+        <p:spPr>
+          <a:xfrm>
+            <a:off x="9646023" y="2849096"/>
+            <a:ext cx="1021977" cy="523220"/>
+          </a:xfrm>
+          <a:prstGeom prst="rect">
+            <a:avLst/>
+          </a:prstGeom>
+          <a:noFill/>
+        </p:spPr>
+        <p:txBody>
+          <a:bodyPr wrap="square" rtlCol="0">
+            <a:spAutoFit/>
+          </a:bodyPr>
+          <a:lstStyle/>
+          <a:p>
+            <a:r>
+              <a:rPr lang="fr-FR" sz="2800" dirty="0">
+                <a:solidFill>
+                  <a:srgbClr val="002060"/>
+                </a:solidFill>
+              </a:rPr>
+              <a:t>[B](t)</a:t>
+            </a:r>
+          </a:p>
+        </p:txBody>
+      </p:sp>
+      <p:sp>
+        <p:nvSpPr>
+          <p:cNvPr id="11" name="Espace réservé du contenu 3"/>
+          <p:cNvSpPr txBox="1">
+            <a:spLocks/>
+          </p:cNvSpPr>
+          <p:nvPr/>
+        </p:nvSpPr>
+        <p:spPr>
+          <a:xfrm>
+            <a:off x="990600" y="1978025"/>
+            <a:ext cx="10515600" cy="4351338"/>
+          </a:xfrm>
+          <a:prstGeom prst="rect">
+            <a:avLst/>
+          </a:prstGeom>
+        </p:spPr>
+        <p:txBody>
+          <a:bodyPr vert="horz" lIns="91440" tIns="45720" rIns="91440" bIns="45720" rtlCol="0">
+            <a:normAutofit/>
+          </a:bodyPr>
+          <a:lstStyle>
+            <a:lvl1pPr marL="228600" indent="-228600" algn="l" defTabSz="914400" rtl="0" eaLnBrk="1" latinLnBrk="0" hangingPunct="1">
+              <a:lnSpc>
+                <a:spcPct val="90000"/>
+              </a:lnSpc>
+              <a:spcBef>
+                <a:spcPts val="1000"/>
+              </a:spcBef>
+              <a:buFont typeface="Arial" panose="020B0604020202020204" pitchFamily="34" charset="0"/>
+              <a:buChar char="•"/>
+              <a:defRPr sz="2800" kern="1200">
+                <a:solidFill>
+                  <a:schemeClr val="tx1"/>
+                </a:solidFill>
+                <a:latin typeface="+mn-lt"/>
+                <a:ea typeface="+mn-ea"/>
+                <a:cs typeface="+mn-cs"/>
+              </a:defRPr>
+            </a:lvl1pPr>
+            <a:lvl2pPr marL="685800" indent="-228600" algn="l" defTabSz="914400" rtl="0" eaLnBrk="1" latinLnBrk="0" hangingPunct="1">
+              <a:lnSpc>
+                <a:spcPct val="90000"/>
+              </a:lnSpc>
+              <a:spcBef>
+                <a:spcPts val="500"/>
+              </a:spcBef>
+              <a:buFont typeface="Arial" panose="020B0604020202020204" pitchFamily="34" charset="0"/>
+              <a:buChar char="•"/>
+              <a:defRPr sz="2400" kern="1200">
+                <a:solidFill>
+                  <a:schemeClr val="tx1"/>
+                </a:solidFill>
+                <a:latin typeface="+mn-lt"/>
+                <a:ea typeface="+mn-ea"/>
+                <a:cs typeface="+mn-cs"/>
+              </a:defRPr>
+            </a:lvl2pPr>
+            <a:lvl3pPr marL="1143000" indent="-228600" algn="l" defTabSz="914400" rtl="0" eaLnBrk="1" latinLnBrk="0" hangingPunct="1">
+              <a:lnSpc>
+                <a:spcPct val="90000"/>
+              </a:lnSpc>
+              <a:spcBef>
+                <a:spcPts val="500"/>
+              </a:spcBef>
+              <a:buFont typeface="Arial" panose="020B0604020202020204" pitchFamily="34" charset="0"/>
+              <a:buChar char="•"/>
+              <a:defRPr sz="2000" kern="1200">
+                <a:solidFill>
+                  <a:schemeClr val="tx1"/>
+                </a:solidFill>
+                <a:latin typeface="+mn-lt"/>
+                <a:ea typeface="+mn-ea"/>
+                <a:cs typeface="+mn-cs"/>
+              </a:defRPr>
+            </a:lvl3pPr>
+            <a:lvl4pPr marL="1600200" indent="-228600" algn="l" defTabSz="914400" rtl="0" eaLnBrk="1" latinLnBrk="0" hangingPunct="1">
+              <a:lnSpc>
+                <a:spcPct val="90000"/>
+              </a:lnSpc>
+              <a:spcBef>
+                <a:spcPts val="500"/>
+              </a:spcBef>
+              <a:buFont typeface="Arial" panose="020B0604020202020204" pitchFamily="34" charset="0"/>
+              <a:buChar char="•"/>
+              <a:defRPr sz="1800" kern="1200">
+                <a:solidFill>
+                  <a:schemeClr val="tx1"/>
+                </a:solidFill>
+                <a:latin typeface="+mn-lt"/>
+                <a:ea typeface="+mn-ea"/>
+                <a:cs typeface="+mn-cs"/>
+              </a:defRPr>
+            </a:lvl4pPr>
+            <a:lvl5pPr marL="2057400" indent="-228600" algn="l" defTabSz="914400" rtl="0" eaLnBrk="1" latinLnBrk="0" hangingPunct="1">
+              <a:lnSpc>
+                <a:spcPct val="90000"/>
+              </a:lnSpc>
+              <a:spcBef>
+                <a:spcPts val="500"/>
+              </a:spcBef>
+              <a:buFont typeface="Arial" panose="020B0604020202020204" pitchFamily="34" charset="0"/>
+              <a:buChar char="•"/>
+              <a:defRPr sz="1800" kern="1200">
+                <a:solidFill>
+                  <a:schemeClr val="tx1"/>
+                </a:solidFill>
+                <a:latin typeface="+mn-lt"/>
+                <a:ea typeface="+mn-ea"/>
+                <a:cs typeface="+mn-cs"/>
+              </a:defRPr>
+            </a:lvl5pPr>
+            <a:lvl6pPr marL="2514600" indent="-228600" algn="l" defTabSz="914400" rtl="0" eaLnBrk="1" latinLnBrk="0" hangingPunct="1">
+              <a:lnSpc>
+                <a:spcPct val="90000"/>
+              </a:lnSpc>
+              <a:spcBef>
+                <a:spcPts val="500"/>
+              </a:spcBef>
+              <a:buFont typeface="Arial" panose="020B0604020202020204" pitchFamily="34" charset="0"/>
+              <a:buChar char="•"/>
+              <a:defRPr sz="1800" kern="1200">
+                <a:solidFill>
+                  <a:schemeClr val="tx1"/>
+                </a:solidFill>
+                <a:latin typeface="+mn-lt"/>
+                <a:ea typeface="+mn-ea"/>
+                <a:cs typeface="+mn-cs"/>
+              </a:defRPr>
+            </a:lvl6pPr>
+            <a:lvl7pPr marL="2971800" indent="-228600" algn="l" defTabSz="914400" rtl="0" eaLnBrk="1" latinLnBrk="0" hangingPunct="1">
+              <a:lnSpc>
+                <a:spcPct val="90000"/>
+              </a:lnSpc>
+              <a:spcBef>
+                <a:spcPts val="500"/>
+              </a:spcBef>
+              <a:buFont typeface="Arial" panose="020B0604020202020204" pitchFamily="34" charset="0"/>
+              <a:buChar char="•"/>
+              <a:defRPr sz="1800" kern="1200">
+                <a:solidFill>
+                  <a:schemeClr val="tx1"/>
+                </a:solidFill>
+                <a:latin typeface="+mn-lt"/>
+                <a:ea typeface="+mn-ea"/>
+                <a:cs typeface="+mn-cs"/>
+              </a:defRPr>
+            </a:lvl7pPr>
+            <a:lvl8pPr marL="3429000" indent="-228600" algn="l" defTabSz="914400" rtl="0" eaLnBrk="1" latinLnBrk="0" hangingPunct="1">
+              <a:lnSpc>
+                <a:spcPct val="90000"/>
+              </a:lnSpc>
+              <a:spcBef>
+                <a:spcPts val="500"/>
+              </a:spcBef>
+              <a:buFont typeface="Arial" panose="020B0604020202020204" pitchFamily="34" charset="0"/>
+              <a:buChar char="•"/>
+              <a:defRPr sz="1800" kern="1200">
+                <a:solidFill>
+                  <a:schemeClr val="tx1"/>
+                </a:solidFill>
+                <a:latin typeface="+mn-lt"/>
+                <a:ea typeface="+mn-ea"/>
+                <a:cs typeface="+mn-cs"/>
+              </a:defRPr>
+            </a:lvl8pPr>
+            <a:lvl9pPr marL="3886200" indent="-228600" algn="l" defTabSz="914400" rtl="0" eaLnBrk="1" latinLnBrk="0" hangingPunct="1">
+              <a:lnSpc>
+                <a:spcPct val="90000"/>
+              </a:lnSpc>
+              <a:spcBef>
+                <a:spcPts val="500"/>
+              </a:spcBef>
+              <a:buFont typeface="Arial" panose="020B0604020202020204" pitchFamily="34" charset="0"/>
+              <a:buChar char="•"/>
+              <a:defRPr sz="1800" kern="1200">
+                <a:solidFill>
+                  <a:schemeClr val="tx1"/>
+                </a:solidFill>
+                <a:latin typeface="+mn-lt"/>
+                <a:ea typeface="+mn-ea"/>
+                <a:cs typeface="+mn-cs"/>
+              </a:defRPr>
+            </a:lvl9pPr>
+          </a:lstStyle>
+          <a:p>
+            <a:endParaRPr lang="fr-FR" dirty="0"/>
+          </a:p>
+          <a:p>
+            <a:endParaRPr lang="fr-FR" dirty="0"/>
+          </a:p>
+          <a:p>
+            <a:endParaRPr lang="fr-FR" dirty="0"/>
+          </a:p>
+          <a:p>
+            <a:endParaRPr lang="fr-FR" dirty="0"/>
+          </a:p>
+          <a:p>
+            <a:endParaRPr lang="fr-FR" dirty="0"/>
+          </a:p>
+          <a:p>
+            <a:endParaRPr lang="fr-FR" dirty="0"/>
+          </a:p>
+          <a:p>
+            <a:endParaRPr lang="fr-FR" dirty="0"/>
+          </a:p>
+        </p:txBody>
+      </p:sp>
+      <p:pic>
+        <p:nvPicPr>
+          <p:cNvPr id="3" name="Image 2"/>
+          <p:cNvPicPr>
+            <a:picLocks noChangeAspect="1"/>
+          </p:cNvPicPr>
+          <p:nvPr/>
+        </p:nvPicPr>
+        <p:blipFill>
+          <a:blip r:embed="rId3"/>
+          <a:stretch>
+            <a:fillRect/>
+          </a:stretch>
+        </p:blipFill>
+        <p:spPr>
+          <a:xfrm>
+            <a:off x="1824769" y="2239565"/>
+            <a:ext cx="7513092" cy="3828257"/>
+          </a:xfrm>
+          <a:prstGeom prst="rect">
+            <a:avLst/>
+          </a:prstGeom>
+        </p:spPr>
+      </p:pic>
+      <p:sp>
+        <p:nvSpPr>
+          <p:cNvPr id="6" name="ZoneTexte 5"/>
+          <p:cNvSpPr txBox="1"/>
+          <p:nvPr/>
+        </p:nvSpPr>
+        <p:spPr>
+          <a:xfrm>
+            <a:off x="1174376" y="6221571"/>
+            <a:ext cx="10148047" cy="369332"/>
+          </a:xfrm>
+          <a:prstGeom prst="rect">
+            <a:avLst/>
+          </a:prstGeom>
+          <a:noFill/>
+        </p:spPr>
+        <p:txBody>
+          <a:bodyPr wrap="square" rtlCol="0">
+            <a:spAutoFit/>
+          </a:bodyPr>
+          <a:lstStyle/>
+          <a:p>
+            <a:r>
+              <a:rPr lang="fr-FR" dirty="0"/>
+              <a:t>Source : </a:t>
+            </a:r>
+            <a:r>
+              <a:rPr lang="fr-FR" u="sng" dirty="0"/>
+              <a:t>40 expériences illustrées de chimie générale et organique - La chimie, une science expérimentale</a:t>
+            </a:r>
+          </a:p>
+        </p:txBody>
+      </p:sp>
+      <p:sp>
+        <p:nvSpPr>
+          <p:cNvPr id="10" name="Titre 1"/>
+          <p:cNvSpPr txBox="1">
+            <a:spLocks/>
+          </p:cNvSpPr>
+          <p:nvPr/>
+        </p:nvSpPr>
+        <p:spPr>
+          <a:xfrm>
+            <a:off x="990600" y="517525"/>
+            <a:ext cx="10515600" cy="1325563"/>
+          </a:xfrm>
+          <a:prstGeom prst="rect">
+            <a:avLst/>
+          </a:prstGeom>
+        </p:spPr>
+        <p:txBody>
+          <a:bodyPr vert="horz" lIns="91440" tIns="45720" rIns="91440" bIns="45720" rtlCol="0" anchor="ctr">
+            <a:normAutofit/>
+          </a:bodyPr>
+          <a:lstStyle>
+            <a:lvl1pPr algn="l" defTabSz="914400" rtl="0" eaLnBrk="1" latinLnBrk="0" hangingPunct="1">
+              <a:lnSpc>
+                <a:spcPct val="90000"/>
+              </a:lnSpc>
+              <a:spcBef>
+                <a:spcPct val="0"/>
+              </a:spcBef>
+              <a:buNone/>
+              <a:defRPr sz="4400" kern="1200">
+                <a:solidFill>
+                  <a:schemeClr val="tx1"/>
+                </a:solidFill>
+                <a:latin typeface="+mj-lt"/>
+                <a:ea typeface="+mj-ea"/>
+                <a:cs typeface="+mj-cs"/>
+              </a:defRPr>
+            </a:lvl1pPr>
+          </a:lstStyle>
+          <a:p>
+            <a:pPr algn="ctr"/>
+            <a:r>
+              <a:rPr lang="fr-FR" u="sng">
+                <a:solidFill>
+                  <a:srgbClr val="002060"/>
+                </a:solidFill>
+                <a:latin typeface="+mn-lt"/>
+              </a:rPr>
+              <a:t>Expérience de suivi de la décoloration de l’érythrosine B :</a:t>
+            </a:r>
+            <a:r>
+              <a:rPr lang="fr-FR">
+                <a:solidFill>
+                  <a:srgbClr val="002060"/>
+                </a:solidFill>
+                <a:latin typeface="+mn-lt"/>
+              </a:rPr>
+              <a:t> </a:t>
+            </a:r>
+            <a:r>
+              <a:rPr lang="fr-FR" b="1">
+                <a:solidFill>
+                  <a:srgbClr val="002060"/>
+                </a:solidFill>
+                <a:latin typeface="+mn-lt"/>
+              </a:rPr>
+              <a:t>méthode de suivi</a:t>
+            </a:r>
+            <a:endParaRPr lang="fr-FR" u="sng" dirty="0">
+              <a:solidFill>
+                <a:srgbClr val="002060"/>
+              </a:solidFill>
+              <a:latin typeface="+mn-lt"/>
+            </a:endParaRPr>
+          </a:p>
+        </p:txBody>
+      </p:sp>
+    </p:spTree>
+    <p:extLst>
+      <p:ext uri="{BB962C8B-B14F-4D97-AF65-F5344CB8AC3E}">
+        <p14:creationId xmlns:p14="http://schemas.microsoft.com/office/powerpoint/2010/main" val="3501166709"/>
+      </p:ext>
+    </p:extLst>
+  </p:cSld>
+  <p:clrMapOvr>
+    <a:masterClrMapping/>
+  </p:clrMapOvr>
+</p:sld>
+</file>
+
+<file path=ppt/slides/slide19.xml><?xml version="1.0" encoding="utf-8"?>
+<p:sld xmlns:a="http://schemas.openxmlformats.org/drawingml/2006/main" xmlns:r="http://schemas.openxmlformats.org/officeDocument/2006/relationships" xmlns:p="http://schemas.openxmlformats.org/presentationml/2006/main">
+  <p:cSld>
+    <p:spTree>
+      <p:nvGrpSpPr>
+        <p:cNvPr id="1" name=""/>
+        <p:cNvGrpSpPr/>
+        <p:nvPr/>
+      </p:nvGrpSpPr>
+      <p:grpSpPr>
+        <a:xfrm>
+          <a:off x="0" y="0"/>
+          <a:ext cx="0" cy="0"/>
+          <a:chOff x="0" y="0"/>
+          <a:chExt cx="0" cy="0"/>
+        </a:xfrm>
+      </p:grpSpPr>
+      <p:sp>
+        <p:nvSpPr>
+          <p:cNvPr id="4" name="Espace réservé du contenu 3"/>
+          <p:cNvSpPr>
+            <a:spLocks noGrp="1"/>
+          </p:cNvSpPr>
+          <p:nvPr>
+            <p:ph idx="1"/>
+          </p:nvPr>
+        </p:nvSpPr>
+        <p:spPr/>
+        <p:txBody>
+          <a:bodyPr/>
+          <a:lstStyle/>
+          <a:p>
+            <a:pPr marL="0" indent="0">
+              <a:buNone/>
+            </a:pPr>
+            <a:endParaRPr lang="fr-FR" dirty="0"/>
+          </a:p>
+          <a:p>
+            <a:endParaRPr lang="fr-FR" dirty="0"/>
+          </a:p>
+          <a:p>
+            <a:endParaRPr lang="fr-FR" dirty="0"/>
+          </a:p>
+        </p:txBody>
+      </p:sp>
+      <p:sp>
+        <p:nvSpPr>
+          <p:cNvPr id="11" name="Espace réservé du contenu 3"/>
+          <p:cNvSpPr txBox="1">
+            <a:spLocks/>
+          </p:cNvSpPr>
+          <p:nvPr/>
+        </p:nvSpPr>
+        <p:spPr>
+          <a:xfrm>
+            <a:off x="990600" y="1978025"/>
+            <a:ext cx="10515600" cy="4351338"/>
+          </a:xfrm>
+          <a:prstGeom prst="rect">
+            <a:avLst/>
+          </a:prstGeom>
+        </p:spPr>
+        <p:txBody>
+          <a:bodyPr vert="horz" lIns="91440" tIns="45720" rIns="91440" bIns="45720" rtlCol="0">
+            <a:normAutofit/>
+          </a:bodyPr>
+          <a:lstStyle>
+            <a:lvl1pPr marL="228600" indent="-228600" algn="l" defTabSz="914400" rtl="0" eaLnBrk="1" latinLnBrk="0" hangingPunct="1">
+              <a:lnSpc>
+                <a:spcPct val="90000"/>
+              </a:lnSpc>
+              <a:spcBef>
+                <a:spcPts val="1000"/>
+              </a:spcBef>
+              <a:buFont typeface="Arial" panose="020B0604020202020204" pitchFamily="34" charset="0"/>
+              <a:buChar char="•"/>
+              <a:defRPr sz="2800" kern="1200">
+                <a:solidFill>
+                  <a:schemeClr val="tx1"/>
+                </a:solidFill>
+                <a:latin typeface="+mn-lt"/>
+                <a:ea typeface="+mn-ea"/>
+                <a:cs typeface="+mn-cs"/>
+              </a:defRPr>
+            </a:lvl1pPr>
+            <a:lvl2pPr marL="685800" indent="-228600" algn="l" defTabSz="914400" rtl="0" eaLnBrk="1" latinLnBrk="0" hangingPunct="1">
+              <a:lnSpc>
+                <a:spcPct val="90000"/>
+              </a:lnSpc>
+              <a:spcBef>
+                <a:spcPts val="500"/>
+              </a:spcBef>
+              <a:buFont typeface="Arial" panose="020B0604020202020204" pitchFamily="34" charset="0"/>
+              <a:buChar char="•"/>
+              <a:defRPr sz="2400" kern="1200">
+                <a:solidFill>
+                  <a:schemeClr val="tx1"/>
+                </a:solidFill>
+                <a:latin typeface="+mn-lt"/>
+                <a:ea typeface="+mn-ea"/>
+                <a:cs typeface="+mn-cs"/>
+              </a:defRPr>
+            </a:lvl2pPr>
+            <a:lvl3pPr marL="1143000" indent="-228600" algn="l" defTabSz="914400" rtl="0" eaLnBrk="1" latinLnBrk="0" hangingPunct="1">
+              <a:lnSpc>
+                <a:spcPct val="90000"/>
+              </a:lnSpc>
+              <a:spcBef>
+                <a:spcPts val="500"/>
+              </a:spcBef>
+              <a:buFont typeface="Arial" panose="020B0604020202020204" pitchFamily="34" charset="0"/>
+              <a:buChar char="•"/>
+              <a:defRPr sz="2000" kern="1200">
+                <a:solidFill>
+                  <a:schemeClr val="tx1"/>
+                </a:solidFill>
+                <a:latin typeface="+mn-lt"/>
+                <a:ea typeface="+mn-ea"/>
+                <a:cs typeface="+mn-cs"/>
+              </a:defRPr>
+            </a:lvl3pPr>
+            <a:lvl4pPr marL="1600200" indent="-228600" algn="l" defTabSz="914400" rtl="0" eaLnBrk="1" latinLnBrk="0" hangingPunct="1">
+              <a:lnSpc>
+                <a:spcPct val="90000"/>
+              </a:lnSpc>
+              <a:spcBef>
+                <a:spcPts val="500"/>
+              </a:spcBef>
+              <a:buFont typeface="Arial" panose="020B0604020202020204" pitchFamily="34" charset="0"/>
+              <a:buChar char="•"/>
+              <a:defRPr sz="1800" kern="1200">
+                <a:solidFill>
+                  <a:schemeClr val="tx1"/>
+                </a:solidFill>
+                <a:latin typeface="+mn-lt"/>
+                <a:ea typeface="+mn-ea"/>
+                <a:cs typeface="+mn-cs"/>
+              </a:defRPr>
+            </a:lvl4pPr>
+            <a:lvl5pPr marL="2057400" indent="-228600" algn="l" defTabSz="914400" rtl="0" eaLnBrk="1" latinLnBrk="0" hangingPunct="1">
+              <a:lnSpc>
+                <a:spcPct val="90000"/>
+              </a:lnSpc>
+              <a:spcBef>
+                <a:spcPts val="500"/>
+              </a:spcBef>
+              <a:buFont typeface="Arial" panose="020B0604020202020204" pitchFamily="34" charset="0"/>
+              <a:buChar char="•"/>
+              <a:defRPr sz="1800" kern="1200">
+                <a:solidFill>
+                  <a:schemeClr val="tx1"/>
+                </a:solidFill>
+                <a:latin typeface="+mn-lt"/>
+                <a:ea typeface="+mn-ea"/>
+                <a:cs typeface="+mn-cs"/>
+              </a:defRPr>
+            </a:lvl5pPr>
+            <a:lvl6pPr marL="2514600" indent="-228600" algn="l" defTabSz="914400" rtl="0" eaLnBrk="1" latinLnBrk="0" hangingPunct="1">
+              <a:lnSpc>
+                <a:spcPct val="90000"/>
+              </a:lnSpc>
+              <a:spcBef>
+                <a:spcPts val="500"/>
+              </a:spcBef>
+              <a:buFont typeface="Arial" panose="020B0604020202020204" pitchFamily="34" charset="0"/>
+              <a:buChar char="•"/>
+              <a:defRPr sz="1800" kern="1200">
+                <a:solidFill>
+                  <a:schemeClr val="tx1"/>
+                </a:solidFill>
+                <a:latin typeface="+mn-lt"/>
+                <a:ea typeface="+mn-ea"/>
+                <a:cs typeface="+mn-cs"/>
+              </a:defRPr>
+            </a:lvl6pPr>
+            <a:lvl7pPr marL="2971800" indent="-228600" algn="l" defTabSz="914400" rtl="0" eaLnBrk="1" latinLnBrk="0" hangingPunct="1">
+              <a:lnSpc>
+                <a:spcPct val="90000"/>
+              </a:lnSpc>
+              <a:spcBef>
+                <a:spcPts val="500"/>
+              </a:spcBef>
+              <a:buFont typeface="Arial" panose="020B0604020202020204" pitchFamily="34" charset="0"/>
+              <a:buChar char="•"/>
+              <a:defRPr sz="1800" kern="1200">
+                <a:solidFill>
+                  <a:schemeClr val="tx1"/>
+                </a:solidFill>
+                <a:latin typeface="+mn-lt"/>
+                <a:ea typeface="+mn-ea"/>
+                <a:cs typeface="+mn-cs"/>
+              </a:defRPr>
+            </a:lvl7pPr>
+            <a:lvl8pPr marL="3429000" indent="-228600" algn="l" defTabSz="914400" rtl="0" eaLnBrk="1" latinLnBrk="0" hangingPunct="1">
+              <a:lnSpc>
+                <a:spcPct val="90000"/>
+              </a:lnSpc>
+              <a:spcBef>
+                <a:spcPts val="500"/>
+              </a:spcBef>
+              <a:buFont typeface="Arial" panose="020B0604020202020204" pitchFamily="34" charset="0"/>
+              <a:buChar char="•"/>
+              <a:defRPr sz="1800" kern="1200">
+                <a:solidFill>
+                  <a:schemeClr val="tx1"/>
+                </a:solidFill>
+                <a:latin typeface="+mn-lt"/>
+                <a:ea typeface="+mn-ea"/>
+                <a:cs typeface="+mn-cs"/>
+              </a:defRPr>
+            </a:lvl8pPr>
+            <a:lvl9pPr marL="3886200" indent="-228600" algn="l" defTabSz="914400" rtl="0" eaLnBrk="1" latinLnBrk="0" hangingPunct="1">
+              <a:lnSpc>
+                <a:spcPct val="90000"/>
+              </a:lnSpc>
+              <a:spcBef>
+                <a:spcPts val="500"/>
+              </a:spcBef>
+              <a:buFont typeface="Arial" panose="020B0604020202020204" pitchFamily="34" charset="0"/>
+              <a:buChar char="•"/>
+              <a:defRPr sz="1800" kern="1200">
+                <a:solidFill>
+                  <a:schemeClr val="tx1"/>
+                </a:solidFill>
+                <a:latin typeface="+mn-lt"/>
+                <a:ea typeface="+mn-ea"/>
+                <a:cs typeface="+mn-cs"/>
+              </a:defRPr>
+            </a:lvl9pPr>
+          </a:lstStyle>
+          <a:p>
+            <a:endParaRPr lang="fr-FR" dirty="0"/>
+          </a:p>
+          <a:p>
+            <a:endParaRPr lang="fr-FR" dirty="0"/>
+          </a:p>
+          <a:p>
+            <a:endParaRPr lang="fr-FR" dirty="0"/>
+          </a:p>
+          <a:p>
+            <a:endParaRPr lang="fr-FR" dirty="0"/>
+          </a:p>
+          <a:p>
+            <a:endParaRPr lang="fr-FR" dirty="0"/>
+          </a:p>
+          <a:p>
+            <a:endParaRPr lang="fr-FR" dirty="0"/>
+          </a:p>
+          <a:p>
+            <a:endParaRPr lang="fr-FR" dirty="0"/>
+          </a:p>
+        </p:txBody>
+      </p:sp>
+      <p:pic>
+        <p:nvPicPr>
+          <p:cNvPr id="7" name="Image 6">
+            <a:extLst>
+              <a:ext uri="{FF2B5EF4-FFF2-40B4-BE49-F238E27FC236}">
+                <a16:creationId xmlns:a16="http://schemas.microsoft.com/office/drawing/2014/main" id="{3D7329D6-D164-42C8-97A8-C3ACE0B2ADE0}"/>
+              </a:ext>
+            </a:extLst>
+          </p:cNvPr>
+          <p:cNvPicPr>
+            <a:picLocks noChangeAspect="1"/>
+          </p:cNvPicPr>
+          <p:nvPr/>
+        </p:nvPicPr>
+        <p:blipFill>
+          <a:blip r:embed="rId2"/>
+          <a:stretch>
+            <a:fillRect/>
+          </a:stretch>
+        </p:blipFill>
+        <p:spPr>
+          <a:xfrm>
+            <a:off x="2220286" y="1961247"/>
+            <a:ext cx="8056228" cy="4531628"/>
+          </a:xfrm>
+          <a:prstGeom prst="rect">
+            <a:avLst/>
+          </a:prstGeom>
+        </p:spPr>
+      </p:pic>
+      <p:sp>
+        <p:nvSpPr>
+          <p:cNvPr id="3" name="Titre 2"/>
+          <p:cNvSpPr>
+            <a:spLocks noGrp="1"/>
+          </p:cNvSpPr>
+          <p:nvPr>
+            <p:ph type="title"/>
+          </p:nvPr>
+        </p:nvSpPr>
+        <p:spPr/>
+        <p:txBody>
+          <a:bodyPr/>
+          <a:lstStyle/>
+          <a:p>
+            <a:endParaRPr lang="fr-FR"/>
+          </a:p>
+        </p:txBody>
+      </p:sp>
+      <p:sp>
+        <p:nvSpPr>
+          <p:cNvPr id="8" name="Titre 1"/>
+          <p:cNvSpPr txBox="1">
+            <a:spLocks/>
+          </p:cNvSpPr>
+          <p:nvPr/>
+        </p:nvSpPr>
+        <p:spPr>
+          <a:xfrm>
+            <a:off x="990600" y="517525"/>
+            <a:ext cx="10515600" cy="1325563"/>
+          </a:xfrm>
+          <a:prstGeom prst="rect">
+            <a:avLst/>
+          </a:prstGeom>
+        </p:spPr>
+        <p:txBody>
+          <a:bodyPr vert="horz" lIns="91440" tIns="45720" rIns="91440" bIns="45720" rtlCol="0" anchor="ctr">
+            <a:normAutofit/>
+          </a:bodyPr>
+          <a:lstStyle>
+            <a:lvl1pPr algn="l" defTabSz="914400" rtl="0" eaLnBrk="1" latinLnBrk="0" hangingPunct="1">
+              <a:lnSpc>
+                <a:spcPct val="90000"/>
+              </a:lnSpc>
+              <a:spcBef>
+                <a:spcPct val="0"/>
+              </a:spcBef>
+              <a:buNone/>
+              <a:defRPr sz="4400" kern="1200">
+                <a:solidFill>
+                  <a:schemeClr val="tx1"/>
+                </a:solidFill>
+                <a:latin typeface="+mj-lt"/>
+                <a:ea typeface="+mj-ea"/>
+                <a:cs typeface="+mj-cs"/>
+              </a:defRPr>
+            </a:lvl1pPr>
+          </a:lstStyle>
+          <a:p>
+            <a:pPr algn="ctr"/>
+            <a:r>
+              <a:rPr lang="fr-FR" u="sng">
+                <a:solidFill>
+                  <a:srgbClr val="002060"/>
+                </a:solidFill>
+                <a:latin typeface="+mn-lt"/>
+              </a:rPr>
+              <a:t>Expérience de suivi de la décoloration de l’érythrosine B :</a:t>
+            </a:r>
+            <a:r>
+              <a:rPr lang="fr-FR">
+                <a:solidFill>
+                  <a:srgbClr val="002060"/>
+                </a:solidFill>
+                <a:latin typeface="+mn-lt"/>
+              </a:rPr>
+              <a:t> </a:t>
+            </a:r>
+            <a:r>
+              <a:rPr lang="fr-FR" b="1">
+                <a:solidFill>
+                  <a:srgbClr val="002060"/>
+                </a:solidFill>
+                <a:latin typeface="+mn-lt"/>
+              </a:rPr>
+              <a:t>méthode de suivi</a:t>
+            </a:r>
+            <a:endParaRPr lang="fr-FR" u="sng" dirty="0">
+              <a:solidFill>
+                <a:srgbClr val="002060"/>
+              </a:solidFill>
+              <a:latin typeface="+mn-lt"/>
+            </a:endParaRPr>
+          </a:p>
+        </p:txBody>
+      </p:sp>
+    </p:spTree>
+    <p:extLst>
+      <p:ext uri="{BB962C8B-B14F-4D97-AF65-F5344CB8AC3E}">
+        <p14:creationId xmlns:p14="http://schemas.microsoft.com/office/powerpoint/2010/main" val="1469836369"/>
       </p:ext>
     </p:extLst>
   </p:cSld>
@@ -6928,857 +7238,6 @@
       </p:grpSpPr>
       <p:sp>
         <p:nvSpPr>
-          <p:cNvPr id="4" name="Espace réservé du contenu 3"/>
-          <p:cNvSpPr>
-            <a:spLocks noGrp="1"/>
-          </p:cNvSpPr>
-          <p:nvPr>
-            <p:ph idx="1"/>
-          </p:nvPr>
-        </p:nvSpPr>
-        <p:spPr/>
-        <p:txBody>
-          <a:bodyPr/>
-          <a:lstStyle/>
-          <a:p>
-            <a:pPr marL="0" indent="0">
-              <a:buNone/>
-            </a:pPr>
-            <a:endParaRPr lang="fr-FR" dirty="0"/>
-          </a:p>
-          <a:p>
-            <a:endParaRPr lang="fr-FR" dirty="0"/>
-          </a:p>
-          <a:p>
-            <a:endParaRPr lang="fr-FR" dirty="0"/>
-          </a:p>
-        </p:txBody>
-      </p:sp>
-      <p:pic>
-        <p:nvPicPr>
-          <p:cNvPr id="5" name="Image 4"/>
-          <p:cNvPicPr>
-            <a:picLocks noChangeAspect="1"/>
-          </p:cNvPicPr>
-          <p:nvPr/>
-        </p:nvPicPr>
-        <p:blipFill>
-          <a:blip r:embed="rId2"/>
-          <a:stretch>
-            <a:fillRect/>
-          </a:stretch>
-        </p:blipFill>
-        <p:spPr>
-          <a:xfrm>
-            <a:off x="9337862" y="2220119"/>
-            <a:ext cx="1638300" cy="1781175"/>
-          </a:xfrm>
-          <a:prstGeom prst="rect">
-            <a:avLst/>
-          </a:prstGeom>
-        </p:spPr>
-      </p:pic>
-      <p:sp>
-        <p:nvSpPr>
-          <p:cNvPr id="8" name="ZoneTexte 7"/>
-          <p:cNvSpPr txBox="1"/>
-          <p:nvPr/>
-        </p:nvSpPr>
-        <p:spPr>
-          <a:xfrm>
-            <a:off x="9646023" y="2849096"/>
-            <a:ext cx="1021977" cy="523220"/>
-          </a:xfrm>
-          <a:prstGeom prst="rect">
-            <a:avLst/>
-          </a:prstGeom>
-          <a:noFill/>
-        </p:spPr>
-        <p:txBody>
-          <a:bodyPr wrap="square" rtlCol="0">
-            <a:spAutoFit/>
-          </a:bodyPr>
-          <a:lstStyle/>
-          <a:p>
-            <a:r>
-              <a:rPr lang="fr-FR" sz="2800" dirty="0">
-                <a:solidFill>
-                  <a:srgbClr val="002060"/>
-                </a:solidFill>
-              </a:rPr>
-              <a:t>[B](t)</a:t>
-            </a:r>
-          </a:p>
-        </p:txBody>
-      </p:sp>
-      <p:sp>
-        <p:nvSpPr>
-          <p:cNvPr id="11" name="Espace réservé du contenu 3"/>
-          <p:cNvSpPr txBox="1">
-            <a:spLocks/>
-          </p:cNvSpPr>
-          <p:nvPr/>
-        </p:nvSpPr>
-        <p:spPr>
-          <a:xfrm>
-            <a:off x="990600" y="1978025"/>
-            <a:ext cx="10515600" cy="4351338"/>
-          </a:xfrm>
-          <a:prstGeom prst="rect">
-            <a:avLst/>
-          </a:prstGeom>
-        </p:spPr>
-        <p:txBody>
-          <a:bodyPr vert="horz" lIns="91440" tIns="45720" rIns="91440" bIns="45720" rtlCol="0">
-            <a:normAutofit/>
-          </a:bodyPr>
-          <a:lstStyle>
-            <a:lvl1pPr marL="228600" indent="-228600" algn="l" defTabSz="914400" rtl="0" eaLnBrk="1" latinLnBrk="0" hangingPunct="1">
-              <a:lnSpc>
-                <a:spcPct val="90000"/>
-              </a:lnSpc>
-              <a:spcBef>
-                <a:spcPts val="1000"/>
-              </a:spcBef>
-              <a:buFont typeface="Arial" panose="020B0604020202020204" pitchFamily="34" charset="0"/>
-              <a:buChar char="•"/>
-              <a:defRPr sz="2800" kern="1200">
-                <a:solidFill>
-                  <a:schemeClr val="tx1"/>
-                </a:solidFill>
-                <a:latin typeface="+mn-lt"/>
-                <a:ea typeface="+mn-ea"/>
-                <a:cs typeface="+mn-cs"/>
-              </a:defRPr>
-            </a:lvl1pPr>
-            <a:lvl2pPr marL="685800" indent="-228600" algn="l" defTabSz="914400" rtl="0" eaLnBrk="1" latinLnBrk="0" hangingPunct="1">
-              <a:lnSpc>
-                <a:spcPct val="90000"/>
-              </a:lnSpc>
-              <a:spcBef>
-                <a:spcPts val="500"/>
-              </a:spcBef>
-              <a:buFont typeface="Arial" panose="020B0604020202020204" pitchFamily="34" charset="0"/>
-              <a:buChar char="•"/>
-              <a:defRPr sz="2400" kern="1200">
-                <a:solidFill>
-                  <a:schemeClr val="tx1"/>
-                </a:solidFill>
-                <a:latin typeface="+mn-lt"/>
-                <a:ea typeface="+mn-ea"/>
-                <a:cs typeface="+mn-cs"/>
-              </a:defRPr>
-            </a:lvl2pPr>
-            <a:lvl3pPr marL="1143000" indent="-228600" algn="l" defTabSz="914400" rtl="0" eaLnBrk="1" latinLnBrk="0" hangingPunct="1">
-              <a:lnSpc>
-                <a:spcPct val="90000"/>
-              </a:lnSpc>
-              <a:spcBef>
-                <a:spcPts val="500"/>
-              </a:spcBef>
-              <a:buFont typeface="Arial" panose="020B0604020202020204" pitchFamily="34" charset="0"/>
-              <a:buChar char="•"/>
-              <a:defRPr sz="2000" kern="1200">
-                <a:solidFill>
-                  <a:schemeClr val="tx1"/>
-                </a:solidFill>
-                <a:latin typeface="+mn-lt"/>
-                <a:ea typeface="+mn-ea"/>
-                <a:cs typeface="+mn-cs"/>
-              </a:defRPr>
-            </a:lvl3pPr>
-            <a:lvl4pPr marL="1600200" indent="-228600" algn="l" defTabSz="914400" rtl="0" eaLnBrk="1" latinLnBrk="0" hangingPunct="1">
-              <a:lnSpc>
-                <a:spcPct val="90000"/>
-              </a:lnSpc>
-              <a:spcBef>
-                <a:spcPts val="500"/>
-              </a:spcBef>
-              <a:buFont typeface="Arial" panose="020B0604020202020204" pitchFamily="34" charset="0"/>
-              <a:buChar char="•"/>
-              <a:defRPr sz="1800" kern="1200">
-                <a:solidFill>
-                  <a:schemeClr val="tx1"/>
-                </a:solidFill>
-                <a:latin typeface="+mn-lt"/>
-                <a:ea typeface="+mn-ea"/>
-                <a:cs typeface="+mn-cs"/>
-              </a:defRPr>
-            </a:lvl4pPr>
-            <a:lvl5pPr marL="2057400" indent="-228600" algn="l" defTabSz="914400" rtl="0" eaLnBrk="1" latinLnBrk="0" hangingPunct="1">
-              <a:lnSpc>
-                <a:spcPct val="90000"/>
-              </a:lnSpc>
-              <a:spcBef>
-                <a:spcPts val="500"/>
-              </a:spcBef>
-              <a:buFont typeface="Arial" panose="020B0604020202020204" pitchFamily="34" charset="0"/>
-              <a:buChar char="•"/>
-              <a:defRPr sz="1800" kern="1200">
-                <a:solidFill>
-                  <a:schemeClr val="tx1"/>
-                </a:solidFill>
-                <a:latin typeface="+mn-lt"/>
-                <a:ea typeface="+mn-ea"/>
-                <a:cs typeface="+mn-cs"/>
-              </a:defRPr>
-            </a:lvl5pPr>
-            <a:lvl6pPr marL="2514600" indent="-228600" algn="l" defTabSz="914400" rtl="0" eaLnBrk="1" latinLnBrk="0" hangingPunct="1">
-              <a:lnSpc>
-                <a:spcPct val="90000"/>
-              </a:lnSpc>
-              <a:spcBef>
-                <a:spcPts val="500"/>
-              </a:spcBef>
-              <a:buFont typeface="Arial" panose="020B0604020202020204" pitchFamily="34" charset="0"/>
-              <a:buChar char="•"/>
-              <a:defRPr sz="1800" kern="1200">
-                <a:solidFill>
-                  <a:schemeClr val="tx1"/>
-                </a:solidFill>
-                <a:latin typeface="+mn-lt"/>
-                <a:ea typeface="+mn-ea"/>
-                <a:cs typeface="+mn-cs"/>
-              </a:defRPr>
-            </a:lvl6pPr>
-            <a:lvl7pPr marL="2971800" indent="-228600" algn="l" defTabSz="914400" rtl="0" eaLnBrk="1" latinLnBrk="0" hangingPunct="1">
-              <a:lnSpc>
-                <a:spcPct val="90000"/>
-              </a:lnSpc>
-              <a:spcBef>
-                <a:spcPts val="500"/>
-              </a:spcBef>
-              <a:buFont typeface="Arial" panose="020B0604020202020204" pitchFamily="34" charset="0"/>
-              <a:buChar char="•"/>
-              <a:defRPr sz="1800" kern="1200">
-                <a:solidFill>
-                  <a:schemeClr val="tx1"/>
-                </a:solidFill>
-                <a:latin typeface="+mn-lt"/>
-                <a:ea typeface="+mn-ea"/>
-                <a:cs typeface="+mn-cs"/>
-              </a:defRPr>
-            </a:lvl7pPr>
-            <a:lvl8pPr marL="3429000" indent="-228600" algn="l" defTabSz="914400" rtl="0" eaLnBrk="1" latinLnBrk="0" hangingPunct="1">
-              <a:lnSpc>
-                <a:spcPct val="90000"/>
-              </a:lnSpc>
-              <a:spcBef>
-                <a:spcPts val="500"/>
-              </a:spcBef>
-              <a:buFont typeface="Arial" panose="020B0604020202020204" pitchFamily="34" charset="0"/>
-              <a:buChar char="•"/>
-              <a:defRPr sz="1800" kern="1200">
-                <a:solidFill>
-                  <a:schemeClr val="tx1"/>
-                </a:solidFill>
-                <a:latin typeface="+mn-lt"/>
-                <a:ea typeface="+mn-ea"/>
-                <a:cs typeface="+mn-cs"/>
-              </a:defRPr>
-            </a:lvl8pPr>
-            <a:lvl9pPr marL="3886200" indent="-228600" algn="l" defTabSz="914400" rtl="0" eaLnBrk="1" latinLnBrk="0" hangingPunct="1">
-              <a:lnSpc>
-                <a:spcPct val="90000"/>
-              </a:lnSpc>
-              <a:spcBef>
-                <a:spcPts val="500"/>
-              </a:spcBef>
-              <a:buFont typeface="Arial" panose="020B0604020202020204" pitchFamily="34" charset="0"/>
-              <a:buChar char="•"/>
-              <a:defRPr sz="1800" kern="1200">
-                <a:solidFill>
-                  <a:schemeClr val="tx1"/>
-                </a:solidFill>
-                <a:latin typeface="+mn-lt"/>
-                <a:ea typeface="+mn-ea"/>
-                <a:cs typeface="+mn-cs"/>
-              </a:defRPr>
-            </a:lvl9pPr>
-          </a:lstStyle>
-          <a:p>
-            <a:endParaRPr lang="fr-FR" dirty="0"/>
-          </a:p>
-          <a:p>
-            <a:endParaRPr lang="fr-FR" dirty="0"/>
-          </a:p>
-          <a:p>
-            <a:endParaRPr lang="fr-FR" dirty="0"/>
-          </a:p>
-          <a:p>
-            <a:endParaRPr lang="fr-FR" dirty="0"/>
-          </a:p>
-          <a:p>
-            <a:endParaRPr lang="fr-FR" dirty="0"/>
-          </a:p>
-          <a:p>
-            <a:endParaRPr lang="fr-FR" dirty="0"/>
-          </a:p>
-          <a:p>
-            <a:endParaRPr lang="fr-FR" dirty="0"/>
-          </a:p>
-        </p:txBody>
-      </p:sp>
-      <p:pic>
-        <p:nvPicPr>
-          <p:cNvPr id="3" name="Image 2"/>
-          <p:cNvPicPr>
-            <a:picLocks noChangeAspect="1"/>
-          </p:cNvPicPr>
-          <p:nvPr/>
-        </p:nvPicPr>
-        <p:blipFill>
-          <a:blip r:embed="rId3"/>
-          <a:stretch>
-            <a:fillRect/>
-          </a:stretch>
-        </p:blipFill>
-        <p:spPr>
-          <a:xfrm>
-            <a:off x="1824769" y="2239565"/>
-            <a:ext cx="7513092" cy="3828257"/>
-          </a:xfrm>
-          <a:prstGeom prst="rect">
-            <a:avLst/>
-          </a:prstGeom>
-        </p:spPr>
-      </p:pic>
-      <p:sp>
-        <p:nvSpPr>
-          <p:cNvPr id="6" name="ZoneTexte 5"/>
-          <p:cNvSpPr txBox="1"/>
-          <p:nvPr/>
-        </p:nvSpPr>
-        <p:spPr>
-          <a:xfrm>
-            <a:off x="1174376" y="6221571"/>
-            <a:ext cx="10148047" cy="369332"/>
-          </a:xfrm>
-          <a:prstGeom prst="rect">
-            <a:avLst/>
-          </a:prstGeom>
-          <a:noFill/>
-        </p:spPr>
-        <p:txBody>
-          <a:bodyPr wrap="square" rtlCol="0">
-            <a:spAutoFit/>
-          </a:bodyPr>
-          <a:lstStyle/>
-          <a:p>
-            <a:r>
-              <a:rPr lang="fr-FR" dirty="0"/>
-              <a:t>Source : </a:t>
-            </a:r>
-            <a:r>
-              <a:rPr lang="fr-FR" u="sng" dirty="0"/>
-              <a:t>40 expériences illustrées de chimie générale et organique - La chimie, une science expérimentale</a:t>
-            </a:r>
-          </a:p>
-        </p:txBody>
-      </p:sp>
-      <p:sp>
-        <p:nvSpPr>
-          <p:cNvPr id="10" name="Titre 1"/>
-          <p:cNvSpPr txBox="1">
-            <a:spLocks/>
-          </p:cNvSpPr>
-          <p:nvPr/>
-        </p:nvSpPr>
-        <p:spPr>
-          <a:xfrm>
-            <a:off x="990600" y="517525"/>
-            <a:ext cx="10515600" cy="1325563"/>
-          </a:xfrm>
-          <a:prstGeom prst="rect">
-            <a:avLst/>
-          </a:prstGeom>
-        </p:spPr>
-        <p:txBody>
-          <a:bodyPr vert="horz" lIns="91440" tIns="45720" rIns="91440" bIns="45720" rtlCol="0" anchor="ctr">
-            <a:normAutofit/>
-          </a:bodyPr>
-          <a:lstStyle>
-            <a:lvl1pPr algn="l" defTabSz="914400" rtl="0" eaLnBrk="1" latinLnBrk="0" hangingPunct="1">
-              <a:lnSpc>
-                <a:spcPct val="90000"/>
-              </a:lnSpc>
-              <a:spcBef>
-                <a:spcPct val="0"/>
-              </a:spcBef>
-              <a:buNone/>
-              <a:defRPr sz="4400" kern="1200">
-                <a:solidFill>
-                  <a:schemeClr val="tx1"/>
-                </a:solidFill>
-                <a:latin typeface="+mj-lt"/>
-                <a:ea typeface="+mj-ea"/>
-                <a:cs typeface="+mj-cs"/>
-              </a:defRPr>
-            </a:lvl1pPr>
-          </a:lstStyle>
-          <a:p>
-            <a:pPr algn="ctr"/>
-            <a:r>
-              <a:rPr lang="fr-FR" u="sng">
-                <a:solidFill>
-                  <a:srgbClr val="002060"/>
-                </a:solidFill>
-                <a:latin typeface="+mn-lt"/>
-              </a:rPr>
-              <a:t>Expérience de suivi de la décoloration de l’érythrosine B :</a:t>
-            </a:r>
-            <a:r>
-              <a:rPr lang="fr-FR">
-                <a:solidFill>
-                  <a:srgbClr val="002060"/>
-                </a:solidFill>
-                <a:latin typeface="+mn-lt"/>
-              </a:rPr>
-              <a:t> </a:t>
-            </a:r>
-            <a:r>
-              <a:rPr lang="fr-FR" b="1">
-                <a:solidFill>
-                  <a:srgbClr val="002060"/>
-                </a:solidFill>
-                <a:latin typeface="+mn-lt"/>
-              </a:rPr>
-              <a:t>méthode de suivi</a:t>
-            </a:r>
-            <a:endParaRPr lang="fr-FR" u="sng" dirty="0">
-              <a:solidFill>
-                <a:srgbClr val="002060"/>
-              </a:solidFill>
-              <a:latin typeface="+mn-lt"/>
-            </a:endParaRPr>
-          </a:p>
-        </p:txBody>
-      </p:sp>
-    </p:spTree>
-    <p:extLst>
-      <p:ext uri="{BB962C8B-B14F-4D97-AF65-F5344CB8AC3E}">
-        <p14:creationId xmlns:p14="http://schemas.microsoft.com/office/powerpoint/2010/main" val="3501166709"/>
-      </p:ext>
-    </p:extLst>
-  </p:cSld>
-  <p:clrMapOvr>
-    <a:masterClrMapping/>
-  </p:clrMapOvr>
-</p:sld>
-</file>
-
-<file path=ppt/slides/slide21.xml><?xml version="1.0" encoding="utf-8"?>
-<p:sld xmlns:a="http://schemas.openxmlformats.org/drawingml/2006/main" xmlns:r="http://schemas.openxmlformats.org/officeDocument/2006/relationships" xmlns:p="http://schemas.openxmlformats.org/presentationml/2006/main">
-  <p:cSld>
-    <p:spTree>
-      <p:nvGrpSpPr>
-        <p:cNvPr id="1" name=""/>
-        <p:cNvGrpSpPr/>
-        <p:nvPr/>
-      </p:nvGrpSpPr>
-      <p:grpSpPr>
-        <a:xfrm>
-          <a:off x="0" y="0"/>
-          <a:ext cx="0" cy="0"/>
-          <a:chOff x="0" y="0"/>
-          <a:chExt cx="0" cy="0"/>
-        </a:xfrm>
-      </p:grpSpPr>
-      <p:sp>
-        <p:nvSpPr>
-          <p:cNvPr id="4" name="Espace réservé du contenu 3"/>
-          <p:cNvSpPr>
-            <a:spLocks noGrp="1"/>
-          </p:cNvSpPr>
-          <p:nvPr>
-            <p:ph idx="1"/>
-          </p:nvPr>
-        </p:nvSpPr>
-        <p:spPr/>
-        <p:txBody>
-          <a:bodyPr/>
-          <a:lstStyle/>
-          <a:p>
-            <a:pPr marL="0" indent="0">
-              <a:buNone/>
-            </a:pPr>
-            <a:endParaRPr lang="fr-FR" dirty="0"/>
-          </a:p>
-          <a:p>
-            <a:endParaRPr lang="fr-FR" dirty="0"/>
-          </a:p>
-          <a:p>
-            <a:endParaRPr lang="fr-FR" dirty="0"/>
-          </a:p>
-        </p:txBody>
-      </p:sp>
-      <p:sp>
-        <p:nvSpPr>
-          <p:cNvPr id="11" name="Espace réservé du contenu 3"/>
-          <p:cNvSpPr txBox="1">
-            <a:spLocks/>
-          </p:cNvSpPr>
-          <p:nvPr/>
-        </p:nvSpPr>
-        <p:spPr>
-          <a:xfrm>
-            <a:off x="990600" y="1978025"/>
-            <a:ext cx="10515600" cy="4351338"/>
-          </a:xfrm>
-          <a:prstGeom prst="rect">
-            <a:avLst/>
-          </a:prstGeom>
-        </p:spPr>
-        <p:txBody>
-          <a:bodyPr vert="horz" lIns="91440" tIns="45720" rIns="91440" bIns="45720" rtlCol="0">
-            <a:normAutofit/>
-          </a:bodyPr>
-          <a:lstStyle>
-            <a:lvl1pPr marL="228600" indent="-228600" algn="l" defTabSz="914400" rtl="0" eaLnBrk="1" latinLnBrk="0" hangingPunct="1">
-              <a:lnSpc>
-                <a:spcPct val="90000"/>
-              </a:lnSpc>
-              <a:spcBef>
-                <a:spcPts val="1000"/>
-              </a:spcBef>
-              <a:buFont typeface="Arial" panose="020B0604020202020204" pitchFamily="34" charset="0"/>
-              <a:buChar char="•"/>
-              <a:defRPr sz="2800" kern="1200">
-                <a:solidFill>
-                  <a:schemeClr val="tx1"/>
-                </a:solidFill>
-                <a:latin typeface="+mn-lt"/>
-                <a:ea typeface="+mn-ea"/>
-                <a:cs typeface="+mn-cs"/>
-              </a:defRPr>
-            </a:lvl1pPr>
-            <a:lvl2pPr marL="685800" indent="-228600" algn="l" defTabSz="914400" rtl="0" eaLnBrk="1" latinLnBrk="0" hangingPunct="1">
-              <a:lnSpc>
-                <a:spcPct val="90000"/>
-              </a:lnSpc>
-              <a:spcBef>
-                <a:spcPts val="500"/>
-              </a:spcBef>
-              <a:buFont typeface="Arial" panose="020B0604020202020204" pitchFamily="34" charset="0"/>
-              <a:buChar char="•"/>
-              <a:defRPr sz="2400" kern="1200">
-                <a:solidFill>
-                  <a:schemeClr val="tx1"/>
-                </a:solidFill>
-                <a:latin typeface="+mn-lt"/>
-                <a:ea typeface="+mn-ea"/>
-                <a:cs typeface="+mn-cs"/>
-              </a:defRPr>
-            </a:lvl2pPr>
-            <a:lvl3pPr marL="1143000" indent="-228600" algn="l" defTabSz="914400" rtl="0" eaLnBrk="1" latinLnBrk="0" hangingPunct="1">
-              <a:lnSpc>
-                <a:spcPct val="90000"/>
-              </a:lnSpc>
-              <a:spcBef>
-                <a:spcPts val="500"/>
-              </a:spcBef>
-              <a:buFont typeface="Arial" panose="020B0604020202020204" pitchFamily="34" charset="0"/>
-              <a:buChar char="•"/>
-              <a:defRPr sz="2000" kern="1200">
-                <a:solidFill>
-                  <a:schemeClr val="tx1"/>
-                </a:solidFill>
-                <a:latin typeface="+mn-lt"/>
-                <a:ea typeface="+mn-ea"/>
-                <a:cs typeface="+mn-cs"/>
-              </a:defRPr>
-            </a:lvl3pPr>
-            <a:lvl4pPr marL="1600200" indent="-228600" algn="l" defTabSz="914400" rtl="0" eaLnBrk="1" latinLnBrk="0" hangingPunct="1">
-              <a:lnSpc>
-                <a:spcPct val="90000"/>
-              </a:lnSpc>
-              <a:spcBef>
-                <a:spcPts val="500"/>
-              </a:spcBef>
-              <a:buFont typeface="Arial" panose="020B0604020202020204" pitchFamily="34" charset="0"/>
-              <a:buChar char="•"/>
-              <a:defRPr sz="1800" kern="1200">
-                <a:solidFill>
-                  <a:schemeClr val="tx1"/>
-                </a:solidFill>
-                <a:latin typeface="+mn-lt"/>
-                <a:ea typeface="+mn-ea"/>
-                <a:cs typeface="+mn-cs"/>
-              </a:defRPr>
-            </a:lvl4pPr>
-            <a:lvl5pPr marL="2057400" indent="-228600" algn="l" defTabSz="914400" rtl="0" eaLnBrk="1" latinLnBrk="0" hangingPunct="1">
-              <a:lnSpc>
-                <a:spcPct val="90000"/>
-              </a:lnSpc>
-              <a:spcBef>
-                <a:spcPts val="500"/>
-              </a:spcBef>
-              <a:buFont typeface="Arial" panose="020B0604020202020204" pitchFamily="34" charset="0"/>
-              <a:buChar char="•"/>
-              <a:defRPr sz="1800" kern="1200">
-                <a:solidFill>
-                  <a:schemeClr val="tx1"/>
-                </a:solidFill>
-                <a:latin typeface="+mn-lt"/>
-                <a:ea typeface="+mn-ea"/>
-                <a:cs typeface="+mn-cs"/>
-              </a:defRPr>
-            </a:lvl5pPr>
-            <a:lvl6pPr marL="2514600" indent="-228600" algn="l" defTabSz="914400" rtl="0" eaLnBrk="1" latinLnBrk="0" hangingPunct="1">
-              <a:lnSpc>
-                <a:spcPct val="90000"/>
-              </a:lnSpc>
-              <a:spcBef>
-                <a:spcPts val="500"/>
-              </a:spcBef>
-              <a:buFont typeface="Arial" panose="020B0604020202020204" pitchFamily="34" charset="0"/>
-              <a:buChar char="•"/>
-              <a:defRPr sz="1800" kern="1200">
-                <a:solidFill>
-                  <a:schemeClr val="tx1"/>
-                </a:solidFill>
-                <a:latin typeface="+mn-lt"/>
-                <a:ea typeface="+mn-ea"/>
-                <a:cs typeface="+mn-cs"/>
-              </a:defRPr>
-            </a:lvl6pPr>
-            <a:lvl7pPr marL="2971800" indent="-228600" algn="l" defTabSz="914400" rtl="0" eaLnBrk="1" latinLnBrk="0" hangingPunct="1">
-              <a:lnSpc>
-                <a:spcPct val="90000"/>
-              </a:lnSpc>
-              <a:spcBef>
-                <a:spcPts val="500"/>
-              </a:spcBef>
-              <a:buFont typeface="Arial" panose="020B0604020202020204" pitchFamily="34" charset="0"/>
-              <a:buChar char="•"/>
-              <a:defRPr sz="1800" kern="1200">
-                <a:solidFill>
-                  <a:schemeClr val="tx1"/>
-                </a:solidFill>
-                <a:latin typeface="+mn-lt"/>
-                <a:ea typeface="+mn-ea"/>
-                <a:cs typeface="+mn-cs"/>
-              </a:defRPr>
-            </a:lvl7pPr>
-            <a:lvl8pPr marL="3429000" indent="-228600" algn="l" defTabSz="914400" rtl="0" eaLnBrk="1" latinLnBrk="0" hangingPunct="1">
-              <a:lnSpc>
-                <a:spcPct val="90000"/>
-              </a:lnSpc>
-              <a:spcBef>
-                <a:spcPts val="500"/>
-              </a:spcBef>
-              <a:buFont typeface="Arial" panose="020B0604020202020204" pitchFamily="34" charset="0"/>
-              <a:buChar char="•"/>
-              <a:defRPr sz="1800" kern="1200">
-                <a:solidFill>
-                  <a:schemeClr val="tx1"/>
-                </a:solidFill>
-                <a:latin typeface="+mn-lt"/>
-                <a:ea typeface="+mn-ea"/>
-                <a:cs typeface="+mn-cs"/>
-              </a:defRPr>
-            </a:lvl8pPr>
-            <a:lvl9pPr marL="3886200" indent="-228600" algn="l" defTabSz="914400" rtl="0" eaLnBrk="1" latinLnBrk="0" hangingPunct="1">
-              <a:lnSpc>
-                <a:spcPct val="90000"/>
-              </a:lnSpc>
-              <a:spcBef>
-                <a:spcPts val="500"/>
-              </a:spcBef>
-              <a:buFont typeface="Arial" panose="020B0604020202020204" pitchFamily="34" charset="0"/>
-              <a:buChar char="•"/>
-              <a:defRPr sz="1800" kern="1200">
-                <a:solidFill>
-                  <a:schemeClr val="tx1"/>
-                </a:solidFill>
-                <a:latin typeface="+mn-lt"/>
-                <a:ea typeface="+mn-ea"/>
-                <a:cs typeface="+mn-cs"/>
-              </a:defRPr>
-            </a:lvl9pPr>
-          </a:lstStyle>
-          <a:p>
-            <a:endParaRPr lang="fr-FR" dirty="0"/>
-          </a:p>
-          <a:p>
-            <a:endParaRPr lang="fr-FR" dirty="0"/>
-          </a:p>
-          <a:p>
-            <a:endParaRPr lang="fr-FR" dirty="0"/>
-          </a:p>
-          <a:p>
-            <a:endParaRPr lang="fr-FR" dirty="0"/>
-          </a:p>
-          <a:p>
-            <a:endParaRPr lang="fr-FR" dirty="0"/>
-          </a:p>
-          <a:p>
-            <a:endParaRPr lang="fr-FR" dirty="0"/>
-          </a:p>
-          <a:p>
-            <a:endParaRPr lang="fr-FR" dirty="0"/>
-          </a:p>
-        </p:txBody>
-      </p:sp>
-      <p:pic>
-        <p:nvPicPr>
-          <p:cNvPr id="7" name="Image 6">
-            <a:extLst>
-              <a:ext uri="{FF2B5EF4-FFF2-40B4-BE49-F238E27FC236}">
-                <a16:creationId xmlns:a16="http://schemas.microsoft.com/office/drawing/2014/main" id="{3D7329D6-D164-42C8-97A8-C3ACE0B2ADE0}"/>
-              </a:ext>
-            </a:extLst>
-          </p:cNvPr>
-          <p:cNvPicPr>
-            <a:picLocks noChangeAspect="1"/>
-          </p:cNvPicPr>
-          <p:nvPr/>
-        </p:nvPicPr>
-        <p:blipFill>
-          <a:blip r:embed="rId2"/>
-          <a:stretch>
-            <a:fillRect/>
-          </a:stretch>
-        </p:blipFill>
-        <p:spPr>
-          <a:xfrm>
-            <a:off x="2220286" y="1961247"/>
-            <a:ext cx="8056228" cy="4531628"/>
-          </a:xfrm>
-          <a:prstGeom prst="rect">
-            <a:avLst/>
-          </a:prstGeom>
-        </p:spPr>
-      </p:pic>
-      <p:sp>
-        <p:nvSpPr>
-          <p:cNvPr id="3" name="Titre 2"/>
-          <p:cNvSpPr>
-            <a:spLocks noGrp="1"/>
-          </p:cNvSpPr>
-          <p:nvPr>
-            <p:ph type="title"/>
-          </p:nvPr>
-        </p:nvSpPr>
-        <p:spPr/>
-        <p:txBody>
-          <a:bodyPr/>
-          <a:lstStyle/>
-          <a:p>
-            <a:endParaRPr lang="fr-FR"/>
-          </a:p>
-        </p:txBody>
-      </p:sp>
-      <p:sp>
-        <p:nvSpPr>
-          <p:cNvPr id="8" name="Titre 1"/>
-          <p:cNvSpPr txBox="1">
-            <a:spLocks/>
-          </p:cNvSpPr>
-          <p:nvPr/>
-        </p:nvSpPr>
-        <p:spPr>
-          <a:xfrm>
-            <a:off x="990600" y="517525"/>
-            <a:ext cx="10515600" cy="1325563"/>
-          </a:xfrm>
-          <a:prstGeom prst="rect">
-            <a:avLst/>
-          </a:prstGeom>
-        </p:spPr>
-        <p:txBody>
-          <a:bodyPr vert="horz" lIns="91440" tIns="45720" rIns="91440" bIns="45720" rtlCol="0" anchor="ctr">
-            <a:normAutofit/>
-          </a:bodyPr>
-          <a:lstStyle>
-            <a:lvl1pPr algn="l" defTabSz="914400" rtl="0" eaLnBrk="1" latinLnBrk="0" hangingPunct="1">
-              <a:lnSpc>
-                <a:spcPct val="90000"/>
-              </a:lnSpc>
-              <a:spcBef>
-                <a:spcPct val="0"/>
-              </a:spcBef>
-              <a:buNone/>
-              <a:defRPr sz="4400" kern="1200">
-                <a:solidFill>
-                  <a:schemeClr val="tx1"/>
-                </a:solidFill>
-                <a:latin typeface="+mj-lt"/>
-                <a:ea typeface="+mj-ea"/>
-                <a:cs typeface="+mj-cs"/>
-              </a:defRPr>
-            </a:lvl1pPr>
-          </a:lstStyle>
-          <a:p>
-            <a:pPr algn="ctr"/>
-            <a:r>
-              <a:rPr lang="fr-FR" u="sng">
-                <a:solidFill>
-                  <a:srgbClr val="002060"/>
-                </a:solidFill>
-                <a:latin typeface="+mn-lt"/>
-              </a:rPr>
-              <a:t>Expérience de suivi de la décoloration de l’érythrosine B :</a:t>
-            </a:r>
-            <a:r>
-              <a:rPr lang="fr-FR">
-                <a:solidFill>
-                  <a:srgbClr val="002060"/>
-                </a:solidFill>
-                <a:latin typeface="+mn-lt"/>
-              </a:rPr>
-              <a:t> </a:t>
-            </a:r>
-            <a:r>
-              <a:rPr lang="fr-FR" b="1">
-                <a:solidFill>
-                  <a:srgbClr val="002060"/>
-                </a:solidFill>
-                <a:latin typeface="+mn-lt"/>
-              </a:rPr>
-              <a:t>méthode de suivi</a:t>
-            </a:r>
-            <a:endParaRPr lang="fr-FR" u="sng" dirty="0">
-              <a:solidFill>
-                <a:srgbClr val="002060"/>
-              </a:solidFill>
-              <a:latin typeface="+mn-lt"/>
-            </a:endParaRPr>
-          </a:p>
-        </p:txBody>
-      </p:sp>
-    </p:spTree>
-    <p:extLst>
-      <p:ext uri="{BB962C8B-B14F-4D97-AF65-F5344CB8AC3E}">
-        <p14:creationId xmlns:p14="http://schemas.microsoft.com/office/powerpoint/2010/main" val="1469836369"/>
-      </p:ext>
-    </p:extLst>
-  </p:cSld>
-  <p:clrMapOvr>
-    <a:masterClrMapping/>
-  </p:clrMapOvr>
-</p:sld>
-</file>
-
-<file path=ppt/slides/slide22.xml><?xml version="1.0" encoding="utf-8"?>
-<p:sld xmlns:a="http://schemas.openxmlformats.org/drawingml/2006/main" xmlns:r="http://schemas.openxmlformats.org/officeDocument/2006/relationships" xmlns:p="http://schemas.openxmlformats.org/presentationml/2006/main">
-  <p:cSld>
-    <p:spTree>
-      <p:nvGrpSpPr>
-        <p:cNvPr id="1" name=""/>
-        <p:cNvGrpSpPr/>
-        <p:nvPr/>
-      </p:nvGrpSpPr>
-      <p:grpSpPr>
-        <a:xfrm>
-          <a:off x="0" y="0"/>
-          <a:ext cx="0" cy="0"/>
-          <a:chOff x="0" y="0"/>
-          <a:chExt cx="0" cy="0"/>
-        </a:xfrm>
-      </p:grpSpPr>
-      <p:sp>
-        <p:nvSpPr>
           <p:cNvPr id="2" name="Titre 1"/>
           <p:cNvSpPr>
             <a:spLocks noGrp="1"/>
@@ -8119,7 +7578,7 @@
 </p:sld>
 </file>
 
-<file path=ppt/slides/slide23.xml><?xml version="1.0" encoding="utf-8"?>
+<file path=ppt/slides/slide21.xml><?xml version="1.0" encoding="utf-8"?>
 <p:sld xmlns:a="http://schemas.openxmlformats.org/drawingml/2006/main" xmlns:r="http://schemas.openxmlformats.org/officeDocument/2006/relationships" xmlns:p="http://schemas.openxmlformats.org/presentationml/2006/main">
   <p:cSld>
     <p:spTree>
@@ -8519,7 +7978,7 @@
 </p:sld>
 </file>
 
-<file path=ppt/slides/slide24.xml><?xml version="1.0" encoding="utf-8"?>
+<file path=ppt/slides/slide22.xml><?xml version="1.0" encoding="utf-8"?>
 <p:sld xmlns:a="http://schemas.openxmlformats.org/drawingml/2006/main" xmlns:r="http://schemas.openxmlformats.org/officeDocument/2006/relationships" xmlns:p="http://schemas.openxmlformats.org/presentationml/2006/main">
   <p:cSld>
     <p:spTree>
@@ -9079,7 +8538,7 @@
 </p:sld>
 </file>
 
-<file path=ppt/slides/slide25.xml><?xml version="1.0" encoding="utf-8"?>
+<file path=ppt/slides/slide23.xml><?xml version="1.0" encoding="utf-8"?>
 <p:sld xmlns:a="http://schemas.openxmlformats.org/drawingml/2006/main" xmlns:r="http://schemas.openxmlformats.org/officeDocument/2006/relationships" xmlns:p="http://schemas.openxmlformats.org/presentationml/2006/main">
   <p:cSld>
     <p:spTree>
@@ -9663,7 +9122,7 @@
 </p:sld>
 </file>
 
-<file path=ppt/slides/slide26.xml><?xml version="1.0" encoding="utf-8"?>
+<file path=ppt/slides/slide24.xml><?xml version="1.0" encoding="utf-8"?>
 <p:sld xmlns:a="http://schemas.openxmlformats.org/drawingml/2006/main" xmlns:r="http://schemas.openxmlformats.org/officeDocument/2006/relationships" xmlns:p="http://schemas.openxmlformats.org/presentationml/2006/main">
   <p:cSld>
     <p:spTree>
@@ -9734,13 +9193,70 @@
               <a:rPr lang="fr-FR" dirty="0" err="1"/>
               <a:t>décoloration_érythrosineB</a:t>
             </a:r>
-            <a:endParaRPr lang="fr-FR"/>
+            <a:endParaRPr lang="fr-FR" dirty="0"/>
           </a:p>
           <a:p>
             <a:pPr marL="0" indent="0">
               <a:buNone/>
             </a:pPr>
-            <a:endParaRPr lang="fr-FR"/>
+            <a:r>
+              <a:rPr lang="fr-FR" dirty="0"/>
+              <a:t>https://</a:t>
+            </a:r>
+            <a:r>
+              <a:rPr lang="fr-FR" dirty="0" err="1"/>
+              <a:t>www.edumedia-sciences.com</a:t>
+            </a:r>
+            <a:r>
+              <a:rPr lang="fr-FR" dirty="0"/>
+              <a:t>/</a:t>
+            </a:r>
+            <a:r>
+              <a:rPr lang="fr-FR" dirty="0" err="1"/>
+              <a:t>fr</a:t>
+            </a:r>
+            <a:r>
+              <a:rPr lang="fr-FR" dirty="0"/>
+              <a:t>/media/564-facteur-cinetique</a:t>
+            </a:r>
+          </a:p>
+          <a:p>
+            <a:pPr marL="0" indent="0">
+              <a:buNone/>
+            </a:pPr>
+            <a:endParaRPr lang="fr-FR" dirty="0"/>
+          </a:p>
+        </p:txBody>
+      </p:sp>
+      <p:sp>
+        <p:nvSpPr>
+          <p:cNvPr id="4" name="ZoneTexte 3">
+            <a:extLst>
+              <a:ext uri="{FF2B5EF4-FFF2-40B4-BE49-F238E27FC236}">
+                <a16:creationId xmlns:a16="http://schemas.microsoft.com/office/drawing/2014/main" id="{B9DCAD53-2508-8349-8110-AD3F22F63AA1}"/>
+              </a:ext>
+            </a:extLst>
+          </p:cNvPr>
+          <p:cNvSpPr txBox="1"/>
+          <p:nvPr/>
+        </p:nvSpPr>
+        <p:spPr>
+          <a:xfrm>
+            <a:off x="5675243" y="2087217"/>
+            <a:ext cx="184731" cy="369332"/>
+          </a:xfrm>
+          <a:prstGeom prst="rect">
+            <a:avLst/>
+          </a:prstGeom>
+          <a:noFill/>
+        </p:spPr>
+        <p:txBody>
+          <a:bodyPr wrap="none" rtlCol="0">
+            <a:spAutoFit/>
+          </a:bodyPr>
+          <a:lstStyle/>
+          <a:p>
+            <a:endParaRPr lang="fr-FR" dirty="0"/>
           </a:p>
         </p:txBody>
       </p:sp>
@@ -10129,7 +9645,13 @@
       </p:grpSpPr>
       <p:sp>
         <p:nvSpPr>
-          <p:cNvPr id="2" name="Titre 1"/>
+          <p:cNvPr id="2" name="Titre 1">
+            <a:extLst>
+              <a:ext uri="{FF2B5EF4-FFF2-40B4-BE49-F238E27FC236}">
+                <a16:creationId xmlns:a16="http://schemas.microsoft.com/office/drawing/2014/main" id="{F809A2BB-429C-DF47-B320-7E679F7CEB63}"/>
+              </a:ext>
+            </a:extLst>
+          </p:cNvPr>
           <p:cNvSpPr>
             <a:spLocks noGrp="1"/>
           </p:cNvSpPr>
@@ -10139,676 +9661,34 @@
         </p:nvSpPr>
         <p:spPr/>
         <p:txBody>
-          <a:bodyPr>
-            <a:normAutofit/>
-          </a:bodyPr>
+          <a:bodyPr/>
           <a:lstStyle/>
           <a:p>
-            <a:pPr algn="ctr"/>
-            <a:r>
-              <a:rPr lang="fr-FR" u="sng" dirty="0">
-                <a:solidFill>
-                  <a:srgbClr val="002060"/>
-                </a:solidFill>
-                <a:latin typeface="+mn-lt"/>
-              </a:rPr>
-              <a:t>Vitesse d’une réaction : exemple</a:t>
-            </a:r>
-          </a:p>
-        </p:txBody>
-      </p:sp>
-      <p:pic>
-        <p:nvPicPr>
-          <p:cNvPr id="1026" name="Picture 2" descr="https://latex.codecogs.com/gif.latex?%5Cdpi%7B200%7D%20%5Chuge%20N_2&amp;plus;3H_2%5Crightarrow%202NH_3"/>
-          <p:cNvPicPr>
-            <a:picLocks noChangeAspect="1" noChangeArrowheads="1"/>
-          </p:cNvPicPr>
-          <p:nvPr/>
-        </p:nvPicPr>
-        <p:blipFill>
-          <a:blip r:embed="rId2">
+            <a:r>
+              <a:rPr lang="fr-FR" dirty="0"/>
+              <a:t>Ordres déjà connus </a:t>
+            </a:r>
+          </a:p>
+        </p:txBody>
+      </p:sp>
+      <p:graphicFrame>
+        <p:nvGraphicFramePr>
+          <p:cNvPr id="4" name="Espace réservé du contenu 3">
             <a:extLst>
-              <a:ext uri="{28A0092B-C50C-407E-A947-70E740481C1C}">
-                <a14:useLocalDpi xmlns:a14="http://schemas.microsoft.com/office/drawing/2010/main" val="0"/>
+              <a:ext uri="{FF2B5EF4-FFF2-40B4-BE49-F238E27FC236}">
+                <a16:creationId xmlns:a16="http://schemas.microsoft.com/office/drawing/2014/main" id="{2565C795-DCF6-3946-BC14-CAA6C1992957}"/>
               </a:ext>
             </a:extLst>
-          </a:blip>
-          <a:srcRect/>
-          <a:stretch>
-            <a:fillRect/>
-          </a:stretch>
-        </p:blipFill>
-        <p:spPr bwMode="auto">
-          <a:xfrm>
-            <a:off x="3452812" y="1690688"/>
-            <a:ext cx="5286375" cy="581026"/>
-          </a:xfrm>
-          <a:prstGeom prst="rect">
-            <a:avLst/>
-          </a:prstGeom>
-          <a:noFill/>
-          <a:extLst>
-            <a:ext uri="{909E8E84-426E-40DD-AFC4-6F175D3DCCD1}">
-              <a14:hiddenFill xmlns:a14="http://schemas.microsoft.com/office/drawing/2010/main">
-                <a:solidFill>
-                  <a:srgbClr val="FFFFFF"/>
-                </a:solidFill>
-              </a14:hiddenFill>
-            </a:ext>
-          </a:extLst>
-        </p:spPr>
-      </p:pic>
-    </p:spTree>
-    <p:extLst>
-      <p:ext uri="{BB962C8B-B14F-4D97-AF65-F5344CB8AC3E}">
-        <p14:creationId xmlns:p14="http://schemas.microsoft.com/office/powerpoint/2010/main" val="832357695"/>
-      </p:ext>
-    </p:extLst>
-  </p:cSld>
-  <p:clrMapOvr>
-    <a:masterClrMapping/>
-  </p:clrMapOvr>
-</p:sld>
-</file>
-
-<file path=ppt/slides/slide6.xml><?xml version="1.0" encoding="utf-8"?>
-<p:sld xmlns:a="http://schemas.openxmlformats.org/drawingml/2006/main" xmlns:r="http://schemas.openxmlformats.org/officeDocument/2006/relationships" xmlns:p="http://schemas.openxmlformats.org/presentationml/2006/main">
-  <p:cSld>
-    <p:spTree>
-      <p:nvGrpSpPr>
-        <p:cNvPr id="1" name=""/>
-        <p:cNvGrpSpPr/>
-        <p:nvPr/>
-      </p:nvGrpSpPr>
-      <p:grpSpPr>
-        <a:xfrm>
-          <a:off x="0" y="0"/>
-          <a:ext cx="0" cy="0"/>
-          <a:chOff x="0" y="0"/>
-          <a:chExt cx="0" cy="0"/>
-        </a:xfrm>
-      </p:grpSpPr>
-      <p:sp>
-        <p:nvSpPr>
-          <p:cNvPr id="2" name="Titre 1"/>
-          <p:cNvSpPr>
-            <a:spLocks noGrp="1"/>
-          </p:cNvSpPr>
-          <p:nvPr>
-            <p:ph type="title"/>
-          </p:nvPr>
-        </p:nvSpPr>
-        <p:spPr/>
-        <p:txBody>
-          <a:bodyPr>
-            <a:normAutofit/>
-          </a:bodyPr>
-          <a:lstStyle/>
-          <a:p>
-            <a:pPr algn="ctr"/>
-            <a:r>
-              <a:rPr lang="fr-FR" u="sng" dirty="0">
-                <a:solidFill>
-                  <a:srgbClr val="002060"/>
-                </a:solidFill>
-                <a:latin typeface="+mn-lt"/>
-              </a:rPr>
-              <a:t>Vitesse d’une réaction : exemple</a:t>
-            </a:r>
-          </a:p>
-        </p:txBody>
-      </p:sp>
-      <p:pic>
-        <p:nvPicPr>
-          <p:cNvPr id="1026" name="Picture 2" descr="https://latex.codecogs.com/gif.latex?%5Cdpi%7B200%7D%20%5Chuge%20N_2&amp;plus;3H_2%5Crightarrow%202NH_3"/>
-          <p:cNvPicPr>
-            <a:picLocks noChangeAspect="1" noChangeArrowheads="1"/>
-          </p:cNvPicPr>
-          <p:nvPr/>
-        </p:nvPicPr>
-        <p:blipFill>
-          <a:blip r:embed="rId2">
-            <a:extLst>
-              <a:ext uri="{28A0092B-C50C-407E-A947-70E740481C1C}">
-                <a14:useLocalDpi xmlns:a14="http://schemas.microsoft.com/office/drawing/2010/main" val="0"/>
-              </a:ext>
-            </a:extLst>
-          </a:blip>
-          <a:srcRect/>
-          <a:stretch>
-            <a:fillRect/>
-          </a:stretch>
-        </p:blipFill>
-        <p:spPr bwMode="auto">
-          <a:xfrm>
-            <a:off x="3452812" y="1690688"/>
-            <a:ext cx="5286375" cy="581026"/>
-          </a:xfrm>
-          <a:prstGeom prst="rect">
-            <a:avLst/>
-          </a:prstGeom>
-          <a:noFill/>
-          <a:extLst>
-            <a:ext uri="{909E8E84-426E-40DD-AFC4-6F175D3DCCD1}">
-              <a14:hiddenFill xmlns:a14="http://schemas.microsoft.com/office/drawing/2010/main">
-                <a:solidFill>
-                  <a:srgbClr val="FFFFFF"/>
-                </a:solidFill>
-              </a14:hiddenFill>
-            </a:ext>
-          </a:extLst>
-        </p:spPr>
-      </p:pic>
-      <p:pic>
-        <p:nvPicPr>
-          <p:cNvPr id="2050" name="Picture 2" descr="https://latex.codecogs.com/gif.latex?%5Cdpi%7B200%7D%20%5Chuge%20v%3D-%5Cfrac%7B1%7D%7B3%7D%5Cfrac%7Bd%5BH_2%5D%7D%7Bdt%7D"/>
-          <p:cNvPicPr>
-            <a:picLocks noChangeAspect="1" noChangeArrowheads="1"/>
-          </p:cNvPicPr>
-          <p:nvPr/>
-        </p:nvPicPr>
-        <p:blipFill>
-          <a:blip r:embed="rId3">
-            <a:extLst>
-              <a:ext uri="{28A0092B-C50C-407E-A947-70E740481C1C}">
-                <a14:useLocalDpi xmlns:a14="http://schemas.microsoft.com/office/drawing/2010/main" val="0"/>
-              </a:ext>
-            </a:extLst>
-          </a:blip>
-          <a:srcRect/>
-          <a:stretch>
-            <a:fillRect/>
-          </a:stretch>
-        </p:blipFill>
-        <p:spPr bwMode="auto">
-          <a:xfrm>
-            <a:off x="838200" y="4547533"/>
-            <a:ext cx="3524250" cy="1400175"/>
-          </a:xfrm>
-          <a:prstGeom prst="rect">
-            <a:avLst/>
-          </a:prstGeom>
-          <a:noFill/>
-          <a:extLst>
-            <a:ext uri="{909E8E84-426E-40DD-AFC4-6F175D3DCCD1}">
-              <a14:hiddenFill xmlns:a14="http://schemas.microsoft.com/office/drawing/2010/main">
-                <a:solidFill>
-                  <a:srgbClr val="FFFFFF"/>
-                </a:solidFill>
-              </a14:hiddenFill>
-            </a:ext>
-          </a:extLst>
-        </p:spPr>
-      </p:pic>
-      <p:pic>
-        <p:nvPicPr>
-          <p:cNvPr id="2052" name="Picture 4" descr="https://latex.codecogs.com/gif.latex?%5Cdpi%7B200%7D%20%5Chuge%20v%3D-%5Cfrac%7Bd%5BN_2%5D%7D%7Bdt%7D"/>
-          <p:cNvPicPr>
-            <a:picLocks noChangeAspect="1" noChangeArrowheads="1"/>
-          </p:cNvPicPr>
-          <p:nvPr/>
-        </p:nvPicPr>
-        <p:blipFill>
-          <a:blip r:embed="rId4">
-            <a:extLst>
-              <a:ext uri="{28A0092B-C50C-407E-A947-70E740481C1C}">
-                <a14:useLocalDpi xmlns:a14="http://schemas.microsoft.com/office/drawing/2010/main" val="0"/>
-              </a:ext>
-            </a:extLst>
-          </a:blip>
-          <a:srcRect/>
-          <a:stretch>
-            <a:fillRect/>
-          </a:stretch>
-        </p:blipFill>
-        <p:spPr bwMode="auto">
-          <a:xfrm>
-            <a:off x="838200" y="2709536"/>
-            <a:ext cx="3143250" cy="1400175"/>
-          </a:xfrm>
-          <a:prstGeom prst="rect">
-            <a:avLst/>
-          </a:prstGeom>
-          <a:noFill/>
-          <a:extLst>
-            <a:ext uri="{909E8E84-426E-40DD-AFC4-6F175D3DCCD1}">
-              <a14:hiddenFill xmlns:a14="http://schemas.microsoft.com/office/drawing/2010/main">
-                <a:solidFill>
-                  <a:srgbClr val="FFFFFF"/>
-                </a:solidFill>
-              </a14:hiddenFill>
-            </a:ext>
-          </a:extLst>
-        </p:spPr>
-      </p:pic>
-      <p:sp>
-        <p:nvSpPr>
-          <p:cNvPr id="3" name="Rectangle 2"/>
-          <p:cNvSpPr/>
-          <p:nvPr/>
-        </p:nvSpPr>
-        <p:spPr>
-          <a:xfrm>
-            <a:off x="4867835" y="1590817"/>
-            <a:ext cx="497541" cy="725302"/>
-          </a:xfrm>
-          <a:prstGeom prst="rect">
-            <a:avLst/>
-          </a:prstGeom>
-          <a:noFill/>
-          <a:ln w="38100">
-            <a:solidFill>
-              <a:srgbClr val="FF0000"/>
-            </a:solidFill>
-          </a:ln>
-        </p:spPr>
-        <p:style>
-          <a:lnRef idx="2">
-            <a:schemeClr val="accent1">
-              <a:shade val="50000"/>
-            </a:schemeClr>
-          </a:lnRef>
-          <a:fillRef idx="1">
-            <a:schemeClr val="accent1"/>
-          </a:fillRef>
-          <a:effectRef idx="0">
-            <a:schemeClr val="accent1"/>
-          </a:effectRef>
-          <a:fontRef idx="minor">
-            <a:schemeClr val="lt1"/>
-          </a:fontRef>
-        </p:style>
-        <p:txBody>
-          <a:bodyPr rtlCol="0" anchor="ctr"/>
-          <a:lstStyle/>
-          <a:p>
-            <a:pPr algn="ctr"/>
-            <a:endParaRPr lang="fr-FR"/>
-          </a:p>
-        </p:txBody>
-      </p:sp>
-    </p:spTree>
-    <p:extLst>
-      <p:ext uri="{BB962C8B-B14F-4D97-AF65-F5344CB8AC3E}">
-        <p14:creationId xmlns:p14="http://schemas.microsoft.com/office/powerpoint/2010/main" val="2948205454"/>
-      </p:ext>
-    </p:extLst>
-  </p:cSld>
-  <p:clrMapOvr>
-    <a:masterClrMapping/>
-  </p:clrMapOvr>
-</p:sld>
-</file>
-
-<file path=ppt/slides/slide7.xml><?xml version="1.0" encoding="utf-8"?>
-<p:sld xmlns:a="http://schemas.openxmlformats.org/drawingml/2006/main" xmlns:r="http://schemas.openxmlformats.org/officeDocument/2006/relationships" xmlns:p="http://schemas.openxmlformats.org/presentationml/2006/main">
-  <p:cSld>
-    <p:spTree>
-      <p:nvGrpSpPr>
-        <p:cNvPr id="1" name=""/>
-        <p:cNvGrpSpPr/>
-        <p:nvPr/>
-      </p:nvGrpSpPr>
-      <p:grpSpPr>
-        <a:xfrm>
-          <a:off x="0" y="0"/>
-          <a:ext cx="0" cy="0"/>
-          <a:chOff x="0" y="0"/>
-          <a:chExt cx="0" cy="0"/>
-        </a:xfrm>
-      </p:grpSpPr>
-      <p:sp>
-        <p:nvSpPr>
-          <p:cNvPr id="2" name="Titre 1"/>
-          <p:cNvSpPr>
-            <a:spLocks noGrp="1"/>
-          </p:cNvSpPr>
-          <p:nvPr>
-            <p:ph type="title"/>
-          </p:nvPr>
-        </p:nvSpPr>
-        <p:spPr/>
-        <p:txBody>
-          <a:bodyPr>
-            <a:normAutofit/>
-          </a:bodyPr>
-          <a:lstStyle/>
-          <a:p>
-            <a:pPr algn="ctr"/>
-            <a:r>
-              <a:rPr lang="fr-FR" u="sng" dirty="0">
-                <a:solidFill>
-                  <a:srgbClr val="002060"/>
-                </a:solidFill>
-                <a:latin typeface="+mn-lt"/>
-              </a:rPr>
-              <a:t>Vitesse d’une réaction : exemple</a:t>
-            </a:r>
-          </a:p>
-        </p:txBody>
-      </p:sp>
-      <p:pic>
-        <p:nvPicPr>
-          <p:cNvPr id="1026" name="Picture 2" descr="https://latex.codecogs.com/gif.latex?%5Cdpi%7B200%7D%20%5Chuge%20N_2&amp;plus;3H_2%5Crightarrow%202NH_3"/>
-          <p:cNvPicPr>
-            <a:picLocks noChangeAspect="1" noChangeArrowheads="1"/>
-          </p:cNvPicPr>
-          <p:nvPr/>
-        </p:nvPicPr>
-        <p:blipFill>
-          <a:blip r:embed="rId2">
-            <a:extLst>
-              <a:ext uri="{28A0092B-C50C-407E-A947-70E740481C1C}">
-                <a14:useLocalDpi xmlns:a14="http://schemas.microsoft.com/office/drawing/2010/main" val="0"/>
-              </a:ext>
-            </a:extLst>
-          </a:blip>
-          <a:srcRect/>
-          <a:stretch>
-            <a:fillRect/>
-          </a:stretch>
-        </p:blipFill>
-        <p:spPr bwMode="auto">
-          <a:xfrm>
-            <a:off x="3452812" y="1690688"/>
-            <a:ext cx="5286375" cy="581026"/>
-          </a:xfrm>
-          <a:prstGeom prst="rect">
-            <a:avLst/>
-          </a:prstGeom>
-          <a:noFill/>
-          <a:extLst>
-            <a:ext uri="{909E8E84-426E-40DD-AFC4-6F175D3DCCD1}">
-              <a14:hiddenFill xmlns:a14="http://schemas.microsoft.com/office/drawing/2010/main">
-                <a:solidFill>
-                  <a:srgbClr val="FFFFFF"/>
-                </a:solidFill>
-              </a14:hiddenFill>
-            </a:ext>
-          </a:extLst>
-        </p:spPr>
-      </p:pic>
-      <p:pic>
-        <p:nvPicPr>
-          <p:cNvPr id="2050" name="Picture 2" descr="https://latex.codecogs.com/gif.latex?%5Cdpi%7B200%7D%20%5Chuge%20v%3D-%5Cfrac%7B1%7D%7B3%7D%5Cfrac%7Bd%5BH_2%5D%7D%7Bdt%7D"/>
-          <p:cNvPicPr>
-            <a:picLocks noChangeAspect="1" noChangeArrowheads="1"/>
-          </p:cNvPicPr>
-          <p:nvPr/>
-        </p:nvPicPr>
-        <p:blipFill>
-          <a:blip r:embed="rId3">
-            <a:extLst>
-              <a:ext uri="{28A0092B-C50C-407E-A947-70E740481C1C}">
-                <a14:useLocalDpi xmlns:a14="http://schemas.microsoft.com/office/drawing/2010/main" val="0"/>
-              </a:ext>
-            </a:extLst>
-          </a:blip>
-          <a:srcRect/>
-          <a:stretch>
-            <a:fillRect/>
-          </a:stretch>
-        </p:blipFill>
-        <p:spPr bwMode="auto">
-          <a:xfrm>
-            <a:off x="838200" y="4547533"/>
-            <a:ext cx="3524250" cy="1400175"/>
-          </a:xfrm>
-          <a:prstGeom prst="rect">
-            <a:avLst/>
-          </a:prstGeom>
-          <a:noFill/>
-          <a:extLst>
-            <a:ext uri="{909E8E84-426E-40DD-AFC4-6F175D3DCCD1}">
-              <a14:hiddenFill xmlns:a14="http://schemas.microsoft.com/office/drawing/2010/main">
-                <a:solidFill>
-                  <a:srgbClr val="FFFFFF"/>
-                </a:solidFill>
-              </a14:hiddenFill>
-            </a:ext>
-          </a:extLst>
-        </p:spPr>
-      </p:pic>
-      <p:pic>
-        <p:nvPicPr>
-          <p:cNvPr id="2052" name="Picture 4" descr="https://latex.codecogs.com/gif.latex?%5Cdpi%7B200%7D%20%5Chuge%20v%3D-%5Cfrac%7Bd%5BN_2%5D%7D%7Bdt%7D"/>
-          <p:cNvPicPr>
-            <a:picLocks noChangeAspect="1" noChangeArrowheads="1"/>
-          </p:cNvPicPr>
-          <p:nvPr/>
-        </p:nvPicPr>
-        <p:blipFill>
-          <a:blip r:embed="rId4">
-            <a:extLst>
-              <a:ext uri="{28A0092B-C50C-407E-A947-70E740481C1C}">
-                <a14:useLocalDpi xmlns:a14="http://schemas.microsoft.com/office/drawing/2010/main" val="0"/>
-              </a:ext>
-            </a:extLst>
-          </a:blip>
-          <a:srcRect/>
-          <a:stretch>
-            <a:fillRect/>
-          </a:stretch>
-        </p:blipFill>
-        <p:spPr bwMode="auto">
-          <a:xfrm>
-            <a:off x="838200" y="2709536"/>
-            <a:ext cx="3143250" cy="1400175"/>
-          </a:xfrm>
-          <a:prstGeom prst="rect">
-            <a:avLst/>
-          </a:prstGeom>
-          <a:noFill/>
-          <a:extLst>
-            <a:ext uri="{909E8E84-426E-40DD-AFC4-6F175D3DCCD1}">
-              <a14:hiddenFill xmlns:a14="http://schemas.microsoft.com/office/drawing/2010/main">
-                <a:solidFill>
-                  <a:srgbClr val="FFFFFF"/>
-                </a:solidFill>
-              </a14:hiddenFill>
-            </a:ext>
-          </a:extLst>
-        </p:spPr>
-      </p:pic>
-      <p:sp>
-        <p:nvSpPr>
-          <p:cNvPr id="3" name="Rectangle 2"/>
-          <p:cNvSpPr/>
-          <p:nvPr/>
-        </p:nvSpPr>
-        <p:spPr>
-          <a:xfrm>
-            <a:off x="4867835" y="1590817"/>
-            <a:ext cx="497541" cy="725302"/>
-          </a:xfrm>
-          <a:prstGeom prst="rect">
-            <a:avLst/>
-          </a:prstGeom>
-          <a:noFill/>
-          <a:ln w="38100">
-            <a:solidFill>
-              <a:srgbClr val="FF0000"/>
-            </a:solidFill>
-          </a:ln>
-        </p:spPr>
-        <p:style>
-          <a:lnRef idx="2">
-            <a:schemeClr val="accent1">
-              <a:shade val="50000"/>
-            </a:schemeClr>
-          </a:lnRef>
-          <a:fillRef idx="1">
-            <a:schemeClr val="accent1"/>
-          </a:fillRef>
-          <a:effectRef idx="0">
-            <a:schemeClr val="accent1"/>
-          </a:effectRef>
-          <a:fontRef idx="minor">
-            <a:schemeClr val="lt1"/>
-          </a:fontRef>
-        </p:style>
-        <p:txBody>
-          <a:bodyPr rtlCol="0" anchor="ctr"/>
-          <a:lstStyle/>
-          <a:p>
-            <a:pPr algn="ctr"/>
-            <a:endParaRPr lang="fr-FR"/>
-          </a:p>
-        </p:txBody>
-      </p:sp>
-      <p:sp>
-        <p:nvSpPr>
-          <p:cNvPr id="7" name="Rectangle 6"/>
-          <p:cNvSpPr/>
-          <p:nvPr/>
-        </p:nvSpPr>
-        <p:spPr>
-          <a:xfrm>
-            <a:off x="6943164" y="1618550"/>
-            <a:ext cx="497541" cy="725302"/>
-          </a:xfrm>
-          <a:prstGeom prst="rect">
-            <a:avLst/>
-          </a:prstGeom>
-          <a:noFill/>
-          <a:ln w="38100">
-            <a:solidFill>
-              <a:srgbClr val="FF0000"/>
-            </a:solidFill>
-          </a:ln>
-        </p:spPr>
-        <p:style>
-          <a:lnRef idx="2">
-            <a:schemeClr val="accent1">
-              <a:shade val="50000"/>
-            </a:schemeClr>
-          </a:lnRef>
-          <a:fillRef idx="1">
-            <a:schemeClr val="accent1"/>
-          </a:fillRef>
-          <a:effectRef idx="0">
-            <a:schemeClr val="accent1"/>
-          </a:effectRef>
-          <a:fontRef idx="minor">
-            <a:schemeClr val="lt1"/>
-          </a:fontRef>
-        </p:style>
-        <p:txBody>
-          <a:bodyPr rtlCol="0" anchor="ctr"/>
-          <a:lstStyle/>
-          <a:p>
-            <a:pPr algn="ctr"/>
-            <a:endParaRPr lang="fr-FR"/>
-          </a:p>
-        </p:txBody>
-      </p:sp>
-      <p:pic>
-        <p:nvPicPr>
-          <p:cNvPr id="3074" name="Picture 2" descr="https://latex.codecogs.com/gif.latex?%5Cdpi%7B200%7D%20%5Chuge%20v%3D%5Cfrac%7B1%7D%7B2%7D%5Cfrac%7Bd%5BNH_3%5D%7D%7Bdt%7D"/>
-          <p:cNvPicPr>
-            <a:picLocks noChangeAspect="1" noChangeArrowheads="1"/>
-          </p:cNvPicPr>
-          <p:nvPr/>
-        </p:nvPicPr>
-        <p:blipFill>
-          <a:blip r:embed="rId5">
-            <a:extLst>
-              <a:ext uri="{28A0092B-C50C-407E-A947-70E740481C1C}">
-                <a14:useLocalDpi xmlns:a14="http://schemas.microsoft.com/office/drawing/2010/main" val="0"/>
-              </a:ext>
-            </a:extLst>
-          </a:blip>
-          <a:srcRect/>
-          <a:stretch>
-            <a:fillRect/>
-          </a:stretch>
-        </p:blipFill>
-        <p:spPr bwMode="auto">
-          <a:xfrm>
-            <a:off x="6943164" y="3669415"/>
-            <a:ext cx="3600450" cy="1400175"/>
-          </a:xfrm>
-          <a:prstGeom prst="rect">
-            <a:avLst/>
-          </a:prstGeom>
-          <a:noFill/>
-          <a:extLst>
-            <a:ext uri="{909E8E84-426E-40DD-AFC4-6F175D3DCCD1}">
-              <a14:hiddenFill xmlns:a14="http://schemas.microsoft.com/office/drawing/2010/main">
-                <a:solidFill>
-                  <a:srgbClr val="FFFFFF"/>
-                </a:solidFill>
-              </a14:hiddenFill>
-            </a:ext>
-          </a:extLst>
-        </p:spPr>
-      </p:pic>
-    </p:spTree>
-    <p:extLst>
-      <p:ext uri="{BB962C8B-B14F-4D97-AF65-F5344CB8AC3E}">
-        <p14:creationId xmlns:p14="http://schemas.microsoft.com/office/powerpoint/2010/main" val="1614736021"/>
-      </p:ext>
-    </p:extLst>
-  </p:cSld>
-  <p:clrMapOvr>
-    <a:masterClrMapping/>
-  </p:clrMapOvr>
-</p:sld>
-</file>
-
-<file path=ppt/slides/slide8.xml><?xml version="1.0" encoding="utf-8"?>
-<p:sld xmlns:a="http://schemas.openxmlformats.org/drawingml/2006/main" xmlns:r="http://schemas.openxmlformats.org/officeDocument/2006/relationships" xmlns:p="http://schemas.openxmlformats.org/presentationml/2006/main">
-  <p:cSld>
-    <p:spTree>
-      <p:nvGrpSpPr>
-        <p:cNvPr id="1" name=""/>
-        <p:cNvGrpSpPr/>
-        <p:nvPr/>
-      </p:nvGrpSpPr>
-      <p:grpSpPr>
-        <a:xfrm>
-          <a:off x="0" y="0"/>
-          <a:ext cx="0" cy="0"/>
-          <a:chOff x="0" y="0"/>
-          <a:chExt cx="0" cy="0"/>
-        </a:xfrm>
-      </p:grpSpPr>
-      <p:sp>
-        <p:nvSpPr>
-          <p:cNvPr id="2" name="Titre 1"/>
-          <p:cNvSpPr>
-            <a:spLocks noGrp="1"/>
-          </p:cNvSpPr>
-          <p:nvPr>
-            <p:ph type="title"/>
-          </p:nvPr>
-        </p:nvSpPr>
-        <p:spPr/>
-        <p:txBody>
-          <a:bodyPr/>
-          <a:lstStyle/>
-          <a:p>
-            <a:pPr algn="ctr"/>
-            <a:r>
-              <a:rPr lang="fr-FR" u="sng" dirty="0">
-                <a:solidFill>
-                  <a:srgbClr val="002060"/>
-                </a:solidFill>
-                <a:latin typeface="+mn-lt"/>
-              </a:rPr>
-              <a:t>Récapitulatif</a:t>
-            </a:r>
-          </a:p>
-        </p:txBody>
-      </p:sp>
-      <p:graphicFrame>
-        <p:nvGraphicFramePr>
-          <p:cNvPr id="4" name="Espace réservé du contenu 3"/>
+          </p:cNvPr>
           <p:cNvGraphicFramePr>
-            <a:graphicFrameLocks noGrp="1"/>
+            <a:graphicFrameLocks/>
           </p:cNvGraphicFramePr>
           <p:nvPr>
-            <p:ph idx="1"/>
+            <p:extLst>
+              <p:ext uri="{D42A27DB-BD31-4B8C-83A1-F6EECF244321}">
+                <p14:modId xmlns:p14="http://schemas.microsoft.com/office/powerpoint/2010/main" val="2222631684"/>
+              </p:ext>
+            </p:extLst>
           </p:nvPr>
         </p:nvGraphicFramePr>
         <p:xfrm>
@@ -10900,15 +9780,14 @@
                     <a:lstStyle/>
                     <a:p>
                       <a:pPr algn="ctr"/>
-                      <a:endParaRPr lang="fr-FR"/>
+                      <a:endParaRPr lang="fr-FR" dirty="0"/>
                     </a:p>
                     <a:p>
                       <a:pPr algn="ctr"/>
                       <a:r>
-                        <a:rPr lang="fr-FR" b="1"/>
+                        <a:rPr lang="fr-FR" b="1" dirty="0"/>
                         <a:t>0</a:t>
                       </a:r>
-                      <a:endParaRPr lang="fr-FR" b="1" dirty="0"/>
                     </a:p>
                   </a:txBody>
                   <a:tcPr/>
@@ -10992,14 +9871,10 @@
                     <a:lstStyle/>
                     <a:p>
                       <a:pPr algn="ctr"/>
-                      <a:endParaRPr lang="fr-FR"/>
+                      <a:endParaRPr lang="fr-FR" dirty="0"/>
                     </a:p>
                     <a:p>
                       <a:pPr algn="ctr"/>
-                      <a:r>
-                        <a:rPr lang="fr-FR" b="1"/>
-                        <a:t>2</a:t>
-                      </a:r>
                       <a:endParaRPr lang="fr-FR" b="1" dirty="0"/>
                     </a:p>
                   </a:txBody>
@@ -11037,7 +9912,13 @@
       </p:graphicFrame>
       <p:pic>
         <p:nvPicPr>
-          <p:cNvPr id="10242" name="Picture 2" descr="https://latex.codecogs.com/gif.latex?%5Cdpi%7B200%7D%20%5Chuge%20%5Calpha%20A%5Crightarrow%20Produits"/>
+          <p:cNvPr id="5" name="Picture 4" descr="https://latex.codecogs.com/gif.latex?%5Cdpi%7B200%7D%20%5Chuge%20%5Cfrac%7B1%7D%7B%5Calpha%7D%5Cfrac%7Bd%5BA%5D%7D%7Bdt%7D%3Dk%5BA%5D%5E0">
+            <a:extLst>
+              <a:ext uri="{FF2B5EF4-FFF2-40B4-BE49-F238E27FC236}">
+                <a16:creationId xmlns:a16="http://schemas.microsoft.com/office/drawing/2014/main" id="{919352CB-DA9A-554F-B4A6-F0411794C18F}"/>
+              </a:ext>
+            </a:extLst>
+          </p:cNvPr>
           <p:cNvPicPr>
             <a:picLocks noChangeAspect="1" noChangeArrowheads="1"/>
           </p:cNvPicPr>
@@ -11045,47 +9926,6 @@
         </p:nvPicPr>
         <p:blipFill>
           <a:blip r:embed="rId2">
-            <a:extLst>
-              <a:ext uri="{28A0092B-C50C-407E-A947-70E740481C1C}">
-                <a14:useLocalDpi xmlns:a14="http://schemas.microsoft.com/office/drawing/2010/main" val="0"/>
-              </a:ext>
-            </a:extLst>
-          </a:blip>
-          <a:srcRect/>
-          <a:stretch>
-            <a:fillRect/>
-          </a:stretch>
-        </p:blipFill>
-        <p:spPr bwMode="auto">
-          <a:xfrm>
-            <a:off x="3881437" y="1690688"/>
-            <a:ext cx="4429125" cy="476250"/>
-          </a:xfrm>
-          <a:prstGeom prst="rect">
-            <a:avLst/>
-          </a:prstGeom>
-          <a:noFill/>
-          <a:extLst>
-            <a:ext uri="{909E8E84-426E-40DD-AFC4-6F175D3DCCD1}">
-              <a14:hiddenFill xmlns:a14="http://schemas.microsoft.com/office/drawing/2010/main">
-                <a:solidFill>
-                  <a:srgbClr val="FFFFFF"/>
-                </a:solidFill>
-              </a14:hiddenFill>
-            </a:ext>
-          </a:extLst>
-        </p:spPr>
-      </p:pic>
-      <p:pic>
-        <p:nvPicPr>
-          <p:cNvPr id="10244" name="Picture 4" descr="https://latex.codecogs.com/gif.latex?%5Cdpi%7B200%7D%20%5Chuge%20%5Cfrac%7B1%7D%7B%5Calpha%7D%5Cfrac%7Bd%5BA%5D%7D%7Bdt%7D%3Dk%5BA%5D%5E0"/>
-          <p:cNvPicPr>
-            <a:picLocks noChangeAspect="1" noChangeArrowheads="1"/>
-          </p:cNvPicPr>
-          <p:nvPr/>
-        </p:nvPicPr>
-        <p:blipFill>
-          <a:blip r:embed="rId3">
             <a:extLst>
               <a:ext uri="{28A0092B-C50C-407E-A947-70E740481C1C}">
                 <a14:useLocalDpi xmlns:a14="http://schemas.microsoft.com/office/drawing/2010/main" val="0"/>
@@ -11119,14 +9959,20 @@
       </p:pic>
       <p:pic>
         <p:nvPicPr>
-          <p:cNvPr id="10246" name="Picture 6" descr="https://latex.codecogs.com/gif.latex?%5Cdpi%7B200%7D%20%5Chuge%20%5Cfrac%7B1%7D%7B%5Calpha%7D%5Cfrac%7Bd%5BA%5D%7D%7Bdt%7D%3Dk%5BA%5D%5E1"/>
+          <p:cNvPr id="6" name="Picture 6" descr="https://latex.codecogs.com/gif.latex?%5Cdpi%7B200%7D%20%5Chuge%20%5Cfrac%7B1%7D%7B%5Calpha%7D%5Cfrac%7Bd%5BA%5D%7D%7Bdt%7D%3Dk%5BA%5D%5E1">
+            <a:extLst>
+              <a:ext uri="{FF2B5EF4-FFF2-40B4-BE49-F238E27FC236}">
+                <a16:creationId xmlns:a16="http://schemas.microsoft.com/office/drawing/2014/main" id="{A21C5740-EBB2-ED47-9C67-85688CE04D1B}"/>
+              </a:ext>
+            </a:extLst>
+          </p:cNvPr>
           <p:cNvPicPr>
             <a:picLocks noChangeAspect="1" noChangeArrowheads="1"/>
           </p:cNvPicPr>
           <p:nvPr/>
         </p:nvPicPr>
         <p:blipFill>
-          <a:blip r:embed="rId4">
+          <a:blip r:embed="rId3">
             <a:extLst>
               <a:ext uri="{28A0092B-C50C-407E-A947-70E740481C1C}">
                 <a14:useLocalDpi xmlns:a14="http://schemas.microsoft.com/office/drawing/2010/main" val="0"/>
@@ -11160,7 +10006,60 @@
       </p:pic>
       <p:pic>
         <p:nvPicPr>
-          <p:cNvPr id="10248" name="Picture 8" descr="https://latex.codecogs.com/gif.latex?%5Cdpi%7B200%7D%20%5Chuge%20%5Cfrac%7B1%7D%7B%5Calpha%7D%5Cfrac%7Bd%5BA%5D%7D%7Bdt%7D%3Dk%5BA%5D%5E2"/>
+          <p:cNvPr id="7" name="Picture 10" descr="https://latex.codecogs.com/gif.latex?%5Cdpi%7B200%7D%20%5Chuge%20%5BA%5D%28t%29%3D%5BA%5D_0&amp;plus;%5Calpha%20k%20t">
+            <a:extLst>
+              <a:ext uri="{FF2B5EF4-FFF2-40B4-BE49-F238E27FC236}">
+                <a16:creationId xmlns:a16="http://schemas.microsoft.com/office/drawing/2014/main" id="{1CA05152-7217-8D4B-8D46-5428F0097394}"/>
+              </a:ext>
+            </a:extLst>
+          </p:cNvPr>
+          <p:cNvPicPr>
+            <a:picLocks noChangeAspect="1" noChangeArrowheads="1"/>
+          </p:cNvPicPr>
+          <p:nvPr/>
+        </p:nvPicPr>
+        <p:blipFill>
+          <a:blip r:embed="rId4">
+            <a:extLst>
+              <a:ext uri="{28A0092B-C50C-407E-A947-70E740481C1C}">
+                <a14:useLocalDpi xmlns:a14="http://schemas.microsoft.com/office/drawing/2010/main" val="0"/>
+              </a:ext>
+            </a:extLst>
+          </a:blip>
+          <a:srcRect/>
+          <a:stretch>
+            <a:fillRect/>
+          </a:stretch>
+        </p:blipFill>
+        <p:spPr bwMode="auto">
+          <a:xfrm>
+            <a:off x="8041341" y="3556661"/>
+            <a:ext cx="3090679" cy="398612"/>
+          </a:xfrm>
+          <a:prstGeom prst="rect">
+            <a:avLst/>
+          </a:prstGeom>
+          <a:noFill/>
+          <a:extLst>
+            <a:ext uri="{909E8E84-426E-40DD-AFC4-6F175D3DCCD1}">
+              <a14:hiddenFill xmlns:a14="http://schemas.microsoft.com/office/drawing/2010/main">
+                <a:solidFill>
+                  <a:srgbClr val="FFFFFF"/>
+                </a:solidFill>
+              </a14:hiddenFill>
+            </a:ext>
+          </a:extLst>
+        </p:spPr>
+      </p:pic>
+      <p:pic>
+        <p:nvPicPr>
+          <p:cNvPr id="8" name="Picture 12" descr="https://latex.codecogs.com/gif.latex?%5Cdpi%7B200%7D%20%5Chuge%20%5BA%5D%28t%29%3D%5BA%5D_0exp%28%5Calpha%20kt%29">
+            <a:extLst>
+              <a:ext uri="{FF2B5EF4-FFF2-40B4-BE49-F238E27FC236}">
+                <a16:creationId xmlns:a16="http://schemas.microsoft.com/office/drawing/2014/main" id="{3E76324E-2AD7-1E45-A068-EC8990AE1B7D}"/>
+              </a:ext>
+            </a:extLst>
+          </p:cNvPr>
           <p:cNvPicPr>
             <a:picLocks noChangeAspect="1" noChangeArrowheads="1"/>
           </p:cNvPicPr>
@@ -11168,6 +10067,546 @@
         </p:nvPicPr>
         <p:blipFill>
           <a:blip r:embed="rId5">
+            <a:extLst>
+              <a:ext uri="{28A0092B-C50C-407E-A947-70E740481C1C}">
+                <a14:useLocalDpi xmlns:a14="http://schemas.microsoft.com/office/drawing/2010/main" val="0"/>
+              </a:ext>
+            </a:extLst>
+          </a:blip>
+          <a:srcRect/>
+          <a:stretch>
+            <a:fillRect/>
+          </a:stretch>
+        </p:blipFill>
+        <p:spPr bwMode="auto">
+          <a:xfrm>
+            <a:off x="8045033" y="4529005"/>
+            <a:ext cx="3086987" cy="353238"/>
+          </a:xfrm>
+          <a:prstGeom prst="rect">
+            <a:avLst/>
+          </a:prstGeom>
+          <a:noFill/>
+          <a:extLst>
+            <a:ext uri="{909E8E84-426E-40DD-AFC4-6F175D3DCCD1}">
+              <a14:hiddenFill xmlns:a14="http://schemas.microsoft.com/office/drawing/2010/main">
+                <a:solidFill>
+                  <a:srgbClr val="FFFFFF"/>
+                </a:solidFill>
+              </a14:hiddenFill>
+            </a:ext>
+          </a:extLst>
+        </p:spPr>
+      </p:pic>
+    </p:spTree>
+    <p:extLst>
+      <p:ext uri="{BB962C8B-B14F-4D97-AF65-F5344CB8AC3E}">
+        <p14:creationId xmlns:p14="http://schemas.microsoft.com/office/powerpoint/2010/main" val="342132877"/>
+      </p:ext>
+    </p:extLst>
+  </p:cSld>
+  <p:clrMapOvr>
+    <a:masterClrMapping/>
+  </p:clrMapOvr>
+</p:sld>
+</file>
+
+<file path=ppt/slides/slide6.xml><?xml version="1.0" encoding="utf-8"?>
+<p:sld xmlns:a="http://schemas.openxmlformats.org/drawingml/2006/main" xmlns:r="http://schemas.openxmlformats.org/officeDocument/2006/relationships" xmlns:p="http://schemas.openxmlformats.org/presentationml/2006/main">
+  <p:cSld>
+    <p:spTree>
+      <p:nvGrpSpPr>
+        <p:cNvPr id="1" name=""/>
+        <p:cNvGrpSpPr/>
+        <p:nvPr/>
+      </p:nvGrpSpPr>
+      <p:grpSpPr>
+        <a:xfrm>
+          <a:off x="0" y="0"/>
+          <a:ext cx="0" cy="0"/>
+          <a:chOff x="0" y="0"/>
+          <a:chExt cx="0" cy="0"/>
+        </a:xfrm>
+      </p:grpSpPr>
+      <p:sp>
+        <p:nvSpPr>
+          <p:cNvPr id="2" name="Titre 1">
+            <a:extLst>
+              <a:ext uri="{FF2B5EF4-FFF2-40B4-BE49-F238E27FC236}">
+                <a16:creationId xmlns:a16="http://schemas.microsoft.com/office/drawing/2014/main" id="{F809A2BB-429C-DF47-B320-7E679F7CEB63}"/>
+              </a:ext>
+            </a:extLst>
+          </p:cNvPr>
+          <p:cNvSpPr>
+            <a:spLocks noGrp="1"/>
+          </p:cNvSpPr>
+          <p:nvPr>
+            <p:ph type="title"/>
+          </p:nvPr>
+        </p:nvSpPr>
+        <p:spPr/>
+        <p:txBody>
+          <a:bodyPr/>
+          <a:lstStyle/>
+          <a:p>
+            <a:r>
+              <a:rPr lang="fr-FR" dirty="0"/>
+              <a:t>Réaction d’ordre 2</a:t>
+            </a:r>
+          </a:p>
+        </p:txBody>
+      </p:sp>
+      <p:graphicFrame>
+        <p:nvGraphicFramePr>
+          <p:cNvPr id="4" name="Espace réservé du contenu 3">
+            <a:extLst>
+              <a:ext uri="{FF2B5EF4-FFF2-40B4-BE49-F238E27FC236}">
+                <a16:creationId xmlns:a16="http://schemas.microsoft.com/office/drawing/2014/main" id="{2565C795-DCF6-3946-BC14-CAA6C1992957}"/>
+              </a:ext>
+            </a:extLst>
+          </p:cNvPr>
+          <p:cNvGraphicFramePr>
+            <a:graphicFrameLocks/>
+          </p:cNvGraphicFramePr>
+          <p:nvPr>
+            <p:extLst>
+              <p:ext uri="{D42A27DB-BD31-4B8C-83A1-F6EECF244321}">
+                <p14:modId xmlns:p14="http://schemas.microsoft.com/office/powerpoint/2010/main" val="2281508936"/>
+              </p:ext>
+            </p:extLst>
+          </p:nvPr>
+        </p:nvGraphicFramePr>
+        <p:xfrm>
+          <a:off x="838200" y="2376954"/>
+          <a:ext cx="10515600" cy="3761058"/>
+        </p:xfrm>
+        <a:graphic>
+          <a:graphicData uri="http://schemas.openxmlformats.org/drawingml/2006/table">
+            <a:tbl>
+              <a:tblPr firstRow="1" bandRow="1">
+                <a:tableStyleId>{5C22544A-7EE6-4342-B048-85BDC9FD1C3A}</a:tableStyleId>
+              </a:tblPr>
+              <a:tblGrid>
+                <a:gridCol w="3505200">
+                  <a:extLst>
+                    <a:ext uri="{9D8B030D-6E8A-4147-A177-3AD203B41FA5}">
+                      <a16:colId xmlns:a16="http://schemas.microsoft.com/office/drawing/2014/main" val="20000"/>
+                    </a:ext>
+                  </a:extLst>
+                </a:gridCol>
+                <a:gridCol w="3505200">
+                  <a:extLst>
+                    <a:ext uri="{9D8B030D-6E8A-4147-A177-3AD203B41FA5}">
+                      <a16:colId xmlns:a16="http://schemas.microsoft.com/office/drawing/2014/main" val="20001"/>
+                    </a:ext>
+                  </a:extLst>
+                </a:gridCol>
+                <a:gridCol w="3505200">
+                  <a:extLst>
+                    <a:ext uri="{9D8B030D-6E8A-4147-A177-3AD203B41FA5}">
+                      <a16:colId xmlns:a16="http://schemas.microsoft.com/office/drawing/2014/main" val="20002"/>
+                    </a:ext>
+                  </a:extLst>
+                </a:gridCol>
+              </a:tblGrid>
+              <a:tr h="938726">
+                <a:tc>
+                  <a:txBody>
+                    <a:bodyPr/>
+                    <a:lstStyle/>
+                    <a:p>
+                      <a:pPr algn="ctr"/>
+                      <a:r>
+                        <a:rPr lang="fr-FR" sz="2800" dirty="0"/>
+                        <a:t>Ordre</a:t>
+                      </a:r>
+                    </a:p>
+                  </a:txBody>
+                  <a:tcPr/>
+                </a:tc>
+                <a:tc>
+                  <a:txBody>
+                    <a:bodyPr/>
+                    <a:lstStyle/>
+                    <a:p>
+                      <a:pPr algn="ctr"/>
+                      <a:r>
+                        <a:rPr lang="fr-FR" sz="2800" dirty="0"/>
+                        <a:t>Equation différentielle</a:t>
+                      </a:r>
+                    </a:p>
+                  </a:txBody>
+                  <a:tcPr/>
+                </a:tc>
+                <a:tc>
+                  <a:txBody>
+                    <a:bodyPr/>
+                    <a:lstStyle/>
+                    <a:p>
+                      <a:pPr algn="ctr"/>
+                      <a:r>
+                        <a:rPr lang="fr-FR" sz="2800" dirty="0"/>
+                        <a:t>Expression de la concentration</a:t>
+                      </a:r>
+                    </a:p>
+                  </a:txBody>
+                  <a:tcPr/>
+                </a:tc>
+                <a:extLst>
+                  <a:ext uri="{0D108BD9-81ED-4DB2-BD59-A6C34878D82A}">
+                    <a16:rowId xmlns:a16="http://schemas.microsoft.com/office/drawing/2014/main" val="10000"/>
+                  </a:ext>
+                </a:extLst>
+              </a:tr>
+              <a:tr h="938726">
+                <a:tc>
+                  <a:txBody>
+                    <a:bodyPr/>
+                    <a:lstStyle/>
+                    <a:p>
+                      <a:pPr algn="ctr"/>
+                      <a:endParaRPr lang="fr-FR" dirty="0"/>
+                    </a:p>
+                    <a:p>
+                      <a:pPr algn="ctr"/>
+                      <a:r>
+                        <a:rPr lang="fr-FR" b="1" dirty="0"/>
+                        <a:t>0</a:t>
+                      </a:r>
+                    </a:p>
+                  </a:txBody>
+                  <a:tcPr/>
+                </a:tc>
+                <a:tc>
+                  <a:txBody>
+                    <a:bodyPr/>
+                    <a:lstStyle/>
+                    <a:p>
+                      <a:endParaRPr lang="fr-FR" dirty="0"/>
+                    </a:p>
+                  </a:txBody>
+                  <a:tcPr/>
+                </a:tc>
+                <a:tc>
+                  <a:txBody>
+                    <a:bodyPr/>
+                    <a:lstStyle/>
+                    <a:p>
+                      <a:endParaRPr lang="fr-FR"/>
+                    </a:p>
+                  </a:txBody>
+                  <a:tcPr/>
+                </a:tc>
+                <a:extLst>
+                  <a:ext uri="{0D108BD9-81ED-4DB2-BD59-A6C34878D82A}">
+                    <a16:rowId xmlns:a16="http://schemas.microsoft.com/office/drawing/2014/main" val="10001"/>
+                  </a:ext>
+                </a:extLst>
+              </a:tr>
+              <a:tr h="938726">
+                <a:tc>
+                  <a:txBody>
+                    <a:bodyPr/>
+                    <a:lstStyle/>
+                    <a:p>
+                      <a:pPr algn="ctr"/>
+                      <a:endParaRPr lang="fr-FR"/>
+                    </a:p>
+                    <a:p>
+                      <a:pPr algn="ctr"/>
+                      <a:r>
+                        <a:rPr lang="fr-FR" b="1"/>
+                        <a:t>1</a:t>
+                      </a:r>
+                      <a:endParaRPr lang="fr-FR" b="1" dirty="0"/>
+                    </a:p>
+                  </a:txBody>
+                  <a:tcPr/>
+                </a:tc>
+                <a:tc>
+                  <a:txBody>
+                    <a:bodyPr/>
+                    <a:lstStyle/>
+                    <a:p>
+                      <a:endParaRPr lang="fr-FR" dirty="0"/>
+                    </a:p>
+                  </a:txBody>
+                  <a:tcPr/>
+                </a:tc>
+                <a:tc>
+                  <a:txBody>
+                    <a:bodyPr/>
+                    <a:lstStyle/>
+                    <a:p>
+                      <a:endParaRPr lang="fr-FR"/>
+                    </a:p>
+                  </a:txBody>
+                  <a:tcPr/>
+                </a:tc>
+                <a:extLst>
+                  <a:ext uri="{0D108BD9-81ED-4DB2-BD59-A6C34878D82A}">
+                    <a16:rowId xmlns:a16="http://schemas.microsoft.com/office/drawing/2014/main" val="10002"/>
+                  </a:ext>
+                </a:extLst>
+              </a:tr>
+              <a:tr h="938726">
+                <a:tc>
+                  <a:txBody>
+                    <a:bodyPr/>
+                    <a:lstStyle/>
+                    <a:p>
+                      <a:pPr algn="ctr"/>
+                      <a:endParaRPr lang="fr-FR" dirty="0"/>
+                    </a:p>
+                    <a:p>
+                      <a:pPr algn="ctr"/>
+                      <a:r>
+                        <a:rPr lang="fr-FR" b="1" dirty="0"/>
+                        <a:t>2</a:t>
+                      </a:r>
+                    </a:p>
+                  </a:txBody>
+                  <a:tcPr/>
+                </a:tc>
+                <a:tc>
+                  <a:txBody>
+                    <a:bodyPr/>
+                    <a:lstStyle/>
+                    <a:p>
+                      <a:endParaRPr lang="fr-FR"/>
+                    </a:p>
+                  </a:txBody>
+                  <a:tcPr/>
+                </a:tc>
+                <a:tc>
+                  <a:txBody>
+                    <a:bodyPr/>
+                    <a:lstStyle/>
+                    <a:p>
+                      <a:pPr algn="ctr"/>
+                      <a:r>
+                        <a:rPr lang="fr-FR" sz="2400" b="1" dirty="0"/>
+                        <a:t>?</a:t>
+                      </a:r>
+                      <a:endParaRPr lang="fr-FR" b="1" dirty="0"/>
+                    </a:p>
+                  </a:txBody>
+                  <a:tcPr anchor="ctr"/>
+                </a:tc>
+                <a:extLst>
+                  <a:ext uri="{0D108BD9-81ED-4DB2-BD59-A6C34878D82A}">
+                    <a16:rowId xmlns:a16="http://schemas.microsoft.com/office/drawing/2014/main" val="10003"/>
+                  </a:ext>
+                </a:extLst>
+              </a:tr>
+            </a:tbl>
+          </a:graphicData>
+        </a:graphic>
+      </p:graphicFrame>
+      <p:pic>
+        <p:nvPicPr>
+          <p:cNvPr id="5" name="Picture 4" descr="https://latex.codecogs.com/gif.latex?%5Cdpi%7B200%7D%20%5Chuge%20%5Cfrac%7B1%7D%7B%5Calpha%7D%5Cfrac%7Bd%5BA%5D%7D%7Bdt%7D%3Dk%5BA%5D%5E0">
+            <a:extLst>
+              <a:ext uri="{FF2B5EF4-FFF2-40B4-BE49-F238E27FC236}">
+                <a16:creationId xmlns:a16="http://schemas.microsoft.com/office/drawing/2014/main" id="{919352CB-DA9A-554F-B4A6-F0411794C18F}"/>
+              </a:ext>
+            </a:extLst>
+          </p:cNvPr>
+          <p:cNvPicPr>
+            <a:picLocks noChangeAspect="1" noChangeArrowheads="1"/>
+          </p:cNvPicPr>
+          <p:nvPr/>
+        </p:nvPicPr>
+        <p:blipFill>
+          <a:blip r:embed="rId2">
+            <a:extLst>
+              <a:ext uri="{28A0092B-C50C-407E-A947-70E740481C1C}">
+                <a14:useLocalDpi xmlns:a14="http://schemas.microsoft.com/office/drawing/2010/main" val="0"/>
+              </a:ext>
+            </a:extLst>
+          </a:blip>
+          <a:srcRect/>
+          <a:stretch>
+            <a:fillRect/>
+          </a:stretch>
+        </p:blipFill>
+        <p:spPr bwMode="auto">
+          <a:xfrm>
+            <a:off x="5148640" y="3370798"/>
+            <a:ext cx="2138082" cy="770338"/>
+          </a:xfrm>
+          <a:prstGeom prst="rect">
+            <a:avLst/>
+          </a:prstGeom>
+          <a:noFill/>
+          <a:extLst>
+            <a:ext uri="{909E8E84-426E-40DD-AFC4-6F175D3DCCD1}">
+              <a14:hiddenFill xmlns:a14="http://schemas.microsoft.com/office/drawing/2010/main">
+                <a:solidFill>
+                  <a:srgbClr val="FFFFFF"/>
+                </a:solidFill>
+              </a14:hiddenFill>
+            </a:ext>
+          </a:extLst>
+        </p:spPr>
+      </p:pic>
+      <p:pic>
+        <p:nvPicPr>
+          <p:cNvPr id="6" name="Picture 6" descr="https://latex.codecogs.com/gif.latex?%5Cdpi%7B200%7D%20%5Chuge%20%5Cfrac%7B1%7D%7B%5Calpha%7D%5Cfrac%7Bd%5BA%5D%7D%7Bdt%7D%3Dk%5BA%5D%5E1">
+            <a:extLst>
+              <a:ext uri="{FF2B5EF4-FFF2-40B4-BE49-F238E27FC236}">
+                <a16:creationId xmlns:a16="http://schemas.microsoft.com/office/drawing/2014/main" id="{A21C5740-EBB2-ED47-9C67-85688CE04D1B}"/>
+              </a:ext>
+            </a:extLst>
+          </p:cNvPr>
+          <p:cNvPicPr>
+            <a:picLocks noChangeAspect="1" noChangeArrowheads="1"/>
+          </p:cNvPicPr>
+          <p:nvPr/>
+        </p:nvPicPr>
+        <p:blipFill>
+          <a:blip r:embed="rId3">
+            <a:extLst>
+              <a:ext uri="{28A0092B-C50C-407E-A947-70E740481C1C}">
+                <a14:useLocalDpi xmlns:a14="http://schemas.microsoft.com/office/drawing/2010/main" val="0"/>
+              </a:ext>
+            </a:extLst>
+          </a:blip>
+          <a:srcRect/>
+          <a:stretch>
+            <a:fillRect/>
+          </a:stretch>
+        </p:blipFill>
+        <p:spPr bwMode="auto">
+          <a:xfrm>
+            <a:off x="5148640" y="4303665"/>
+            <a:ext cx="2220347" cy="803919"/>
+          </a:xfrm>
+          <a:prstGeom prst="rect">
+            <a:avLst/>
+          </a:prstGeom>
+          <a:noFill/>
+          <a:extLst>
+            <a:ext uri="{909E8E84-426E-40DD-AFC4-6F175D3DCCD1}">
+              <a14:hiddenFill xmlns:a14="http://schemas.microsoft.com/office/drawing/2010/main">
+                <a:solidFill>
+                  <a:srgbClr val="FFFFFF"/>
+                </a:solidFill>
+              </a14:hiddenFill>
+            </a:ext>
+          </a:extLst>
+        </p:spPr>
+      </p:pic>
+      <p:pic>
+        <p:nvPicPr>
+          <p:cNvPr id="7" name="Picture 10" descr="https://latex.codecogs.com/gif.latex?%5Cdpi%7B200%7D%20%5Chuge%20%5BA%5D%28t%29%3D%5BA%5D_0&amp;plus;%5Calpha%20k%20t">
+            <a:extLst>
+              <a:ext uri="{FF2B5EF4-FFF2-40B4-BE49-F238E27FC236}">
+                <a16:creationId xmlns:a16="http://schemas.microsoft.com/office/drawing/2014/main" id="{1CA05152-7217-8D4B-8D46-5428F0097394}"/>
+              </a:ext>
+            </a:extLst>
+          </p:cNvPr>
+          <p:cNvPicPr>
+            <a:picLocks noChangeAspect="1" noChangeArrowheads="1"/>
+          </p:cNvPicPr>
+          <p:nvPr/>
+        </p:nvPicPr>
+        <p:blipFill>
+          <a:blip r:embed="rId4">
+            <a:extLst>
+              <a:ext uri="{28A0092B-C50C-407E-A947-70E740481C1C}">
+                <a14:useLocalDpi xmlns:a14="http://schemas.microsoft.com/office/drawing/2010/main" val="0"/>
+              </a:ext>
+            </a:extLst>
+          </a:blip>
+          <a:srcRect/>
+          <a:stretch>
+            <a:fillRect/>
+          </a:stretch>
+        </p:blipFill>
+        <p:spPr bwMode="auto">
+          <a:xfrm>
+            <a:off x="8041341" y="3556661"/>
+            <a:ext cx="3090679" cy="398612"/>
+          </a:xfrm>
+          <a:prstGeom prst="rect">
+            <a:avLst/>
+          </a:prstGeom>
+          <a:noFill/>
+          <a:extLst>
+            <a:ext uri="{909E8E84-426E-40DD-AFC4-6F175D3DCCD1}">
+              <a14:hiddenFill xmlns:a14="http://schemas.microsoft.com/office/drawing/2010/main">
+                <a:solidFill>
+                  <a:srgbClr val="FFFFFF"/>
+                </a:solidFill>
+              </a14:hiddenFill>
+            </a:ext>
+          </a:extLst>
+        </p:spPr>
+      </p:pic>
+      <p:pic>
+        <p:nvPicPr>
+          <p:cNvPr id="8" name="Picture 12" descr="https://latex.codecogs.com/gif.latex?%5Cdpi%7B200%7D%20%5Chuge%20%5BA%5D%28t%29%3D%5BA%5D_0exp%28%5Calpha%20kt%29">
+            <a:extLst>
+              <a:ext uri="{FF2B5EF4-FFF2-40B4-BE49-F238E27FC236}">
+                <a16:creationId xmlns:a16="http://schemas.microsoft.com/office/drawing/2014/main" id="{3E76324E-2AD7-1E45-A068-EC8990AE1B7D}"/>
+              </a:ext>
+            </a:extLst>
+          </p:cNvPr>
+          <p:cNvPicPr>
+            <a:picLocks noChangeAspect="1" noChangeArrowheads="1"/>
+          </p:cNvPicPr>
+          <p:nvPr/>
+        </p:nvPicPr>
+        <p:blipFill>
+          <a:blip r:embed="rId5">
+            <a:extLst>
+              <a:ext uri="{28A0092B-C50C-407E-A947-70E740481C1C}">
+                <a14:useLocalDpi xmlns:a14="http://schemas.microsoft.com/office/drawing/2010/main" val="0"/>
+              </a:ext>
+            </a:extLst>
+          </a:blip>
+          <a:srcRect/>
+          <a:stretch>
+            <a:fillRect/>
+          </a:stretch>
+        </p:blipFill>
+        <p:spPr bwMode="auto">
+          <a:xfrm>
+            <a:off x="8045033" y="4529005"/>
+            <a:ext cx="3086987" cy="353238"/>
+          </a:xfrm>
+          <a:prstGeom prst="rect">
+            <a:avLst/>
+          </a:prstGeom>
+          <a:noFill/>
+          <a:extLst>
+            <a:ext uri="{909E8E84-426E-40DD-AFC4-6F175D3DCCD1}">
+              <a14:hiddenFill xmlns:a14="http://schemas.microsoft.com/office/drawing/2010/main">
+                <a:solidFill>
+                  <a:srgbClr val="FFFFFF"/>
+                </a:solidFill>
+              </a14:hiddenFill>
+            </a:ext>
+          </a:extLst>
+        </p:spPr>
+      </p:pic>
+      <p:pic>
+        <p:nvPicPr>
+          <p:cNvPr id="9" name="Picture 8" descr="https://latex.codecogs.com/gif.latex?%5Cdpi%7B200%7D%20%5Chuge%20%5Cfrac%7B1%7D%7B%5Calpha%7D%5Cfrac%7Bd%5BA%5D%7D%7Bdt%7D%3Dk%5BA%5D%5E2">
+            <a:extLst>
+              <a:ext uri="{FF2B5EF4-FFF2-40B4-BE49-F238E27FC236}">
+                <a16:creationId xmlns:a16="http://schemas.microsoft.com/office/drawing/2014/main" id="{658C71E2-D517-D14D-BC39-223E51FC38FC}"/>
+              </a:ext>
+            </a:extLst>
+          </p:cNvPr>
+          <p:cNvPicPr>
+            <a:picLocks noChangeAspect="1" noChangeArrowheads="1"/>
+          </p:cNvPicPr>
+          <p:nvPr/>
+        </p:nvPicPr>
+        <p:blipFill>
+          <a:blip r:embed="rId6">
             <a:extLst>
               <a:ext uri="{28A0092B-C50C-407E-A947-70E740481C1C}">
                 <a14:useLocalDpi xmlns:a14="http://schemas.microsoft.com/office/drawing/2010/main" val="0"/>
@@ -11202,7 +10641,7 @@
     </p:spTree>
     <p:extLst>
       <p:ext uri="{BB962C8B-B14F-4D97-AF65-F5344CB8AC3E}">
-        <p14:creationId xmlns:p14="http://schemas.microsoft.com/office/powerpoint/2010/main" val="3574053638"/>
+        <p14:creationId xmlns:p14="http://schemas.microsoft.com/office/powerpoint/2010/main" val="2311589965"/>
       </p:ext>
     </p:extLst>
   </p:cSld>
@@ -11212,7 +10651,7 @@
 </p:sld>
 </file>
 
-<file path=ppt/slides/slide9.xml><?xml version="1.0" encoding="utf-8"?>
+<file path=ppt/slides/slide7.xml><?xml version="1.0" encoding="utf-8"?>
 <p:sld xmlns:a="http://schemas.openxmlformats.org/drawingml/2006/main" xmlns:r="http://schemas.openxmlformats.org/officeDocument/2006/relationships" xmlns:p="http://schemas.openxmlformats.org/presentationml/2006/main">
   <p:cSld>
     <p:spTree>
@@ -11428,7 +10867,7 @@
                     <a:bodyPr/>
                     <a:lstStyle/>
                     <a:p>
-                      <a:endParaRPr lang="fr-FR"/>
+                      <a:endParaRPr lang="fr-FR" dirty="0"/>
                     </a:p>
                   </a:txBody>
                   <a:tcPr/>
@@ -11695,7 +11134,13 @@
       </p:pic>
       <p:pic>
         <p:nvPicPr>
-          <p:cNvPr id="10252" name="Picture 12" descr="https://latex.codecogs.com/gif.latex?%5Cdpi%7B200%7D%20%5Chuge%20%5BA%5D%28t%29%3D%5BA%5D_0exp%28%5Calpha%20kt%29"/>
+          <p:cNvPr id="12" name="Picture 14" descr="https://latex.codecogs.com/gif.latex?%5Cdpi%7B200%7D%20%5Chuge%20%5Cfrac%7B1%7D%7B%5BA%5D%28t%29%7D%3D%5Cfrac%7B1%7D%7B%5BA%5D_0%7D-%5Calpha%20kt">
+            <a:extLst>
+              <a:ext uri="{FF2B5EF4-FFF2-40B4-BE49-F238E27FC236}">
+                <a16:creationId xmlns:a16="http://schemas.microsoft.com/office/drawing/2014/main" id="{A8A7C2C9-F3D9-BD4D-8BEA-3094028B6D65}"/>
+              </a:ext>
+            </a:extLst>
+          </p:cNvPr>
           <p:cNvPicPr>
             <a:picLocks noChangeAspect="1" noChangeArrowheads="1"/>
           </p:cNvPicPr>
@@ -11703,47 +11148,6 @@
         </p:nvPicPr>
         <p:blipFill>
           <a:blip r:embed="rId7">
-            <a:extLst>
-              <a:ext uri="{28A0092B-C50C-407E-A947-70E740481C1C}">
-                <a14:useLocalDpi xmlns:a14="http://schemas.microsoft.com/office/drawing/2010/main" val="0"/>
-              </a:ext>
-            </a:extLst>
-          </a:blip>
-          <a:srcRect/>
-          <a:stretch>
-            <a:fillRect/>
-          </a:stretch>
-        </p:blipFill>
-        <p:spPr bwMode="auto">
-          <a:xfrm>
-            <a:off x="8045033" y="4529005"/>
-            <a:ext cx="3086987" cy="353238"/>
-          </a:xfrm>
-          <a:prstGeom prst="rect">
-            <a:avLst/>
-          </a:prstGeom>
-          <a:noFill/>
-          <a:extLst>
-            <a:ext uri="{909E8E84-426E-40DD-AFC4-6F175D3DCCD1}">
-              <a14:hiddenFill xmlns:a14="http://schemas.microsoft.com/office/drawing/2010/main">
-                <a:solidFill>
-                  <a:srgbClr val="FFFFFF"/>
-                </a:solidFill>
-              </a14:hiddenFill>
-            </a:ext>
-          </a:extLst>
-        </p:spPr>
-      </p:pic>
-      <p:pic>
-        <p:nvPicPr>
-          <p:cNvPr id="10254" name="Picture 14" descr="https://latex.codecogs.com/gif.latex?%5Cdpi%7B200%7D%20%5Chuge%20%5Cfrac%7B1%7D%7B%5BA%5D%28t%29%7D%3D%5Cfrac%7B1%7D%7B%5BA%5D_0%7D-%5Calpha%20kt"/>
-          <p:cNvPicPr>
-            <a:picLocks noChangeAspect="1" noChangeArrowheads="1"/>
-          </p:cNvPicPr>
-          <p:nvPr/>
-        </p:nvPicPr>
-        <p:blipFill>
-          <a:blip r:embed="rId8">
             <a:extLst>
               <a:ext uri="{28A0092B-C50C-407E-A947-70E740481C1C}">
                 <a14:useLocalDpi xmlns:a14="http://schemas.microsoft.com/office/drawing/2010/main" val="0"/>
@@ -11775,10 +11179,832 @@
           </a:extLst>
         </p:spPr>
       </p:pic>
+      <p:sp>
+        <p:nvSpPr>
+          <p:cNvPr id="5" name="ZoneTexte 4">
+            <a:extLst>
+              <a:ext uri="{FF2B5EF4-FFF2-40B4-BE49-F238E27FC236}">
+                <a16:creationId xmlns:a16="http://schemas.microsoft.com/office/drawing/2014/main" id="{B0E3FFBA-F3B8-9C44-9B51-CAB184E695A2}"/>
+              </a:ext>
+            </a:extLst>
+          </p:cNvPr>
+          <p:cNvSpPr txBox="1"/>
+          <p:nvPr/>
+        </p:nvSpPr>
+        <p:spPr>
+          <a:xfrm>
+            <a:off x="10137913" y="3429000"/>
+            <a:ext cx="318052" cy="646331"/>
+          </a:xfrm>
+          <a:prstGeom prst="rect">
+            <a:avLst/>
+          </a:prstGeom>
+          <a:solidFill>
+            <a:srgbClr val="CFD5EA"/>
+          </a:solidFill>
+        </p:spPr>
+        <p:txBody>
+          <a:bodyPr wrap="square" rtlCol="0">
+            <a:spAutoFit/>
+          </a:bodyPr>
+          <a:lstStyle/>
+          <a:p>
+            <a:r>
+              <a:rPr lang="fr-FR" sz="3600" dirty="0"/>
+              <a:t>-</a:t>
+            </a:r>
+            <a:endParaRPr lang="fr-FR" dirty="0"/>
+          </a:p>
+        </p:txBody>
+      </p:sp>
+      <mc:AlternateContent xmlns:mc="http://schemas.openxmlformats.org/markup-compatibility/2006" xmlns:a14="http://schemas.microsoft.com/office/drawing/2010/main">
+        <mc:Choice Requires="a14">
+          <p:sp>
+            <p:nvSpPr>
+              <p:cNvPr id="6" name="ZoneTexte 5">
+                <a:extLst>
+                  <a:ext uri="{FF2B5EF4-FFF2-40B4-BE49-F238E27FC236}">
+                    <a16:creationId xmlns:a16="http://schemas.microsoft.com/office/drawing/2014/main" id="{FF6A7F09-813C-0E4E-93A5-1014DECB9377}"/>
+                  </a:ext>
+                </a:extLst>
+              </p:cNvPr>
+              <p:cNvSpPr txBox="1"/>
+              <p:nvPr/>
+            </p:nvSpPr>
+            <p:spPr>
+              <a:xfrm>
+                <a:off x="8041341" y="4425775"/>
+                <a:ext cx="3259675" cy="369332"/>
+              </a:xfrm>
+              <a:prstGeom prst="rect">
+                <a:avLst/>
+              </a:prstGeom>
+              <a:noFill/>
+            </p:spPr>
+            <p:txBody>
+              <a:bodyPr wrap="none" lIns="0" tIns="0" rIns="0" bIns="0" rtlCol="0">
+                <a:spAutoFit/>
+              </a:bodyPr>
+              <a:lstStyle/>
+              <a:p>
+                <a:pPr/>
+                <a14:m>
+                  <m:oMathPara xmlns:m="http://schemas.openxmlformats.org/officeDocument/2006/math">
+                    <m:oMathParaPr>
+                      <m:jc m:val="centerGroup"/>
+                    </m:oMathParaPr>
+                    <m:oMath xmlns:m="http://schemas.openxmlformats.org/officeDocument/2006/math">
+                      <m:r>
+                        <a:rPr lang="fr-FR" sz="2400" b="0" i="1" smtClean="0">
+                          <a:latin typeface="Cambria Math" panose="02040503050406030204" pitchFamily="18" charset="0"/>
+                        </a:rPr>
+                        <m:t>[</m:t>
+                      </m:r>
+                      <m:r>
+                        <a:rPr lang="fr-FR" sz="2400" b="0" i="1" smtClean="0">
+                          <a:latin typeface="Cambria Math" panose="02040503050406030204" pitchFamily="18" charset="0"/>
+                        </a:rPr>
+                        <m:t>𝐴</m:t>
+                      </m:r>
+                      <m:r>
+                        <a:rPr lang="fr-FR" sz="2400" b="0" i="1" smtClean="0">
+                          <a:latin typeface="Cambria Math" panose="02040503050406030204" pitchFamily="18" charset="0"/>
+                        </a:rPr>
+                        <m:t>]</m:t>
+                      </m:r>
+                      <m:d>
+                        <m:dPr>
+                          <m:ctrlPr>
+                            <a:rPr lang="fr-FR" sz="2400" b="0" i="1" smtClean="0">
+                              <a:latin typeface="Cambria Math" panose="02040503050406030204" pitchFamily="18" charset="0"/>
+                            </a:rPr>
+                          </m:ctrlPr>
+                        </m:dPr>
+                        <m:e>
+                          <m:r>
+                            <a:rPr lang="fr-FR" sz="2400" b="0" i="1" smtClean="0">
+                              <a:latin typeface="Cambria Math" panose="02040503050406030204" pitchFamily="18" charset="0"/>
+                            </a:rPr>
+                            <m:t>𝑡</m:t>
+                          </m:r>
+                        </m:e>
+                      </m:d>
+                      <m:r>
+                        <a:rPr lang="fr-FR" sz="2400" b="0" i="1" smtClean="0">
+                          <a:latin typeface="Cambria Math" panose="02040503050406030204" pitchFamily="18" charset="0"/>
+                        </a:rPr>
+                        <m:t>=</m:t>
+                      </m:r>
+                      <m:sSub>
+                        <m:sSubPr>
+                          <m:ctrlPr>
+                            <a:rPr lang="fr-FR" sz="2400" b="0" i="1" smtClean="0">
+                              <a:latin typeface="Cambria Math" panose="02040503050406030204" pitchFamily="18" charset="0"/>
+                            </a:rPr>
+                          </m:ctrlPr>
+                        </m:sSubPr>
+                        <m:e>
+                          <m:d>
+                            <m:dPr>
+                              <m:begChr m:val="["/>
+                              <m:endChr m:val="]"/>
+                              <m:ctrlPr>
+                                <a:rPr lang="fr-FR" sz="2400" b="0" i="1" smtClean="0">
+                                  <a:latin typeface="Cambria Math" panose="02040503050406030204" pitchFamily="18" charset="0"/>
+                                </a:rPr>
+                              </m:ctrlPr>
+                            </m:dPr>
+                            <m:e>
+                              <m:r>
+                                <a:rPr lang="fr-FR" sz="2400" b="0" i="1" smtClean="0">
+                                  <a:latin typeface="Cambria Math" panose="02040503050406030204" pitchFamily="18" charset="0"/>
+                                </a:rPr>
+                                <m:t>𝐴</m:t>
+                              </m:r>
+                            </m:e>
+                          </m:d>
+                        </m:e>
+                        <m:sub>
+                          <m:r>
+                            <a:rPr lang="fr-FR" sz="2400" b="0" i="1" smtClean="0">
+                              <a:latin typeface="Cambria Math" panose="02040503050406030204" pitchFamily="18" charset="0"/>
+                            </a:rPr>
+                            <m:t>0</m:t>
+                          </m:r>
+                        </m:sub>
+                      </m:sSub>
+                      <m:r>
+                        <m:rPr>
+                          <m:sty m:val="p"/>
+                        </m:rPr>
+                        <a:rPr lang="fr-FR" sz="2400" b="0" i="0" smtClean="0">
+                          <a:latin typeface="Cambria Math" panose="02040503050406030204" pitchFamily="18" charset="0"/>
+                        </a:rPr>
+                        <m:t>exp</m:t>
+                      </m:r>
+                      <m:r>
+                        <a:rPr lang="fr-FR" sz="2400" b="0" i="1" smtClean="0">
+                          <a:latin typeface="Cambria Math" panose="02040503050406030204" pitchFamily="18" charset="0"/>
+                        </a:rPr>
+                        <m:t>⁡(−</m:t>
+                      </m:r>
+                      <m:r>
+                        <a:rPr lang="fr-FR" sz="2400" b="0" i="1" smtClean="0">
+                          <a:latin typeface="Cambria Math" panose="02040503050406030204" pitchFamily="18" charset="0"/>
+                        </a:rPr>
+                        <m:t>𝛼</m:t>
+                      </m:r>
+                      <m:r>
+                        <a:rPr lang="fr-FR" sz="2400" b="0" i="1" smtClean="0">
+                          <a:latin typeface="Cambria Math" panose="02040503050406030204" pitchFamily="18" charset="0"/>
+                        </a:rPr>
+                        <m:t>𝑘𝑡</m:t>
+                      </m:r>
+                      <m:r>
+                        <a:rPr lang="fr-FR" sz="2400" b="0" i="1" smtClean="0">
+                          <a:latin typeface="Cambria Math" panose="02040503050406030204" pitchFamily="18" charset="0"/>
+                        </a:rPr>
+                        <m:t>)</m:t>
+                      </m:r>
+                    </m:oMath>
+                  </m:oMathPara>
+                </a14:m>
+                <a:endParaRPr lang="fr-FR" sz="2400" dirty="0"/>
+              </a:p>
+            </p:txBody>
+          </p:sp>
+        </mc:Choice>
+        <mc:Fallback xmlns="">
+          <p:sp>
+            <p:nvSpPr>
+              <p:cNvPr id="6" name="ZoneTexte 5">
+                <a:extLst>
+                  <a:ext uri="{FF2B5EF4-FFF2-40B4-BE49-F238E27FC236}">
+                    <a16:creationId xmlns:a16="http://schemas.microsoft.com/office/drawing/2014/main" id="{FF6A7F09-813C-0E4E-93A5-1014DECB9377}"/>
+                  </a:ext>
+                </a:extLst>
+              </p:cNvPr>
+              <p:cNvSpPr txBox="1">
+                <a:spLocks noRot="1" noChangeAspect="1" noMove="1" noResize="1" noEditPoints="1" noAdjustHandles="1" noChangeArrowheads="1" noChangeShapeType="1" noTextEdit="1"/>
+              </p:cNvSpPr>
+              <p:nvPr/>
+            </p:nvSpPr>
+            <p:spPr>
+              <a:xfrm>
+                <a:off x="8041341" y="4425775"/>
+                <a:ext cx="3259675" cy="369332"/>
+              </a:xfrm>
+              <a:prstGeom prst="rect">
+                <a:avLst/>
+              </a:prstGeom>
+              <a:blipFill>
+                <a:blip r:embed="rId8"/>
+                <a:stretch>
+                  <a:fillRect l="-3113" t="-6667" r="-3113" b="-40000"/>
+                </a:stretch>
+              </a:blipFill>
+            </p:spPr>
+            <p:txBody>
+              <a:bodyPr/>
+              <a:lstStyle/>
+              <a:p>
+                <a:r>
+                  <a:rPr lang="fr-FR">
+                    <a:noFill/>
+                  </a:rPr>
+                  <a:t> </a:t>
+                </a:r>
+              </a:p>
+            </p:txBody>
+          </p:sp>
+        </mc:Fallback>
+      </mc:AlternateContent>
+      <p:cxnSp>
+        <p:nvCxnSpPr>
+          <p:cNvPr id="8" name="Connecteur droit 7">
+            <a:extLst>
+              <a:ext uri="{FF2B5EF4-FFF2-40B4-BE49-F238E27FC236}">
+                <a16:creationId xmlns:a16="http://schemas.microsoft.com/office/drawing/2014/main" id="{93891981-27F1-2442-8A2E-E07FBB16524D}"/>
+              </a:ext>
+            </a:extLst>
+          </p:cNvPr>
+          <p:cNvCxnSpPr>
+            <a:cxnSpLocks/>
+          </p:cNvCxnSpPr>
+          <p:nvPr/>
+        </p:nvCxnSpPr>
+        <p:spPr>
+          <a:xfrm>
+            <a:off x="10108096" y="5542866"/>
+            <a:ext cx="0" cy="234025"/>
+          </a:xfrm>
+          <a:prstGeom prst="line">
+            <a:avLst/>
+          </a:prstGeom>
+          <a:ln w="12700">
+            <a:solidFill>
+              <a:schemeClr val="tx1"/>
+            </a:solidFill>
+          </a:ln>
+        </p:spPr>
+        <p:style>
+          <a:lnRef idx="1">
+            <a:schemeClr val="accent1"/>
+          </a:lnRef>
+          <a:fillRef idx="0">
+            <a:schemeClr val="accent1"/>
+          </a:fillRef>
+          <a:effectRef idx="0">
+            <a:schemeClr val="accent1"/>
+          </a:effectRef>
+          <a:fontRef idx="minor">
+            <a:schemeClr val="tx1"/>
+          </a:fontRef>
+        </p:style>
+      </p:cxnSp>
     </p:spTree>
     <p:extLst>
       <p:ext uri="{BB962C8B-B14F-4D97-AF65-F5344CB8AC3E}">
         <p14:creationId xmlns:p14="http://schemas.microsoft.com/office/powerpoint/2010/main" val="2235451288"/>
+      </p:ext>
+    </p:extLst>
+  </p:cSld>
+  <p:clrMapOvr>
+    <a:masterClrMapping/>
+  </p:clrMapOvr>
+</p:sld>
+</file>
+
+<file path=ppt/slides/slide8.xml><?xml version="1.0" encoding="utf-8"?>
+<p:sld xmlns:a="http://schemas.openxmlformats.org/drawingml/2006/main" xmlns:r="http://schemas.openxmlformats.org/officeDocument/2006/relationships" xmlns:p="http://schemas.openxmlformats.org/presentationml/2006/main">
+  <p:cSld>
+    <p:spTree>
+      <p:nvGrpSpPr>
+        <p:cNvPr id="1" name=""/>
+        <p:cNvGrpSpPr/>
+        <p:nvPr/>
+      </p:nvGrpSpPr>
+      <p:grpSpPr>
+        <a:xfrm>
+          <a:off x="0" y="0"/>
+          <a:ext cx="0" cy="0"/>
+          <a:chOff x="0" y="0"/>
+          <a:chExt cx="0" cy="0"/>
+        </a:xfrm>
+      </p:grpSpPr>
+      <p:sp>
+        <p:nvSpPr>
+          <p:cNvPr id="2" name="Titre 1"/>
+          <p:cNvSpPr>
+            <a:spLocks noGrp="1"/>
+          </p:cNvSpPr>
+          <p:nvPr>
+            <p:ph type="title"/>
+          </p:nvPr>
+        </p:nvSpPr>
+        <p:spPr/>
+        <p:txBody>
+          <a:bodyPr/>
+          <a:lstStyle/>
+          <a:p>
+            <a:pPr algn="ctr"/>
+            <a:r>
+              <a:rPr lang="fr-FR" u="sng" dirty="0">
+                <a:solidFill>
+                  <a:srgbClr val="002060"/>
+                </a:solidFill>
+                <a:latin typeface="+mn-lt"/>
+              </a:rPr>
+              <a:t>Expérience de suivi de la décoloration de l’érythrosine B :</a:t>
+            </a:r>
+            <a:r>
+              <a:rPr lang="fr-FR" dirty="0">
+                <a:solidFill>
+                  <a:srgbClr val="002060"/>
+                </a:solidFill>
+                <a:latin typeface="+mn-lt"/>
+              </a:rPr>
+              <a:t> </a:t>
+            </a:r>
+            <a:r>
+              <a:rPr lang="fr-FR" b="1" dirty="0">
+                <a:solidFill>
+                  <a:srgbClr val="002060"/>
+                </a:solidFill>
+                <a:latin typeface="+mn-lt"/>
+              </a:rPr>
+              <a:t>dégénérescence de l’ordre</a:t>
+            </a:r>
+          </a:p>
+        </p:txBody>
+      </p:sp>
+      <p:sp>
+        <p:nvSpPr>
+          <p:cNvPr id="4" name="Espace réservé du contenu 3"/>
+          <p:cNvSpPr>
+            <a:spLocks noGrp="1"/>
+          </p:cNvSpPr>
+          <p:nvPr>
+            <p:ph idx="1"/>
+          </p:nvPr>
+        </p:nvSpPr>
+        <p:spPr/>
+        <p:txBody>
+          <a:bodyPr/>
+          <a:lstStyle/>
+          <a:p>
+            <a:pPr marL="0" indent="0">
+              <a:buNone/>
+            </a:pPr>
+            <a:endParaRPr lang="fr-FR" dirty="0"/>
+          </a:p>
+          <a:p>
+            <a:r>
+              <a:rPr lang="fr-FR" dirty="0"/>
+              <a:t>Modèle utilisé : </a:t>
+            </a:r>
+          </a:p>
+          <a:p>
+            <a:endParaRPr lang="fr-FR" dirty="0"/>
+          </a:p>
+          <a:p>
+            <a:endParaRPr lang="fr-FR" dirty="0"/>
+          </a:p>
+        </p:txBody>
+      </p:sp>
+      <p:pic>
+        <p:nvPicPr>
+          <p:cNvPr id="5" name="Image 4"/>
+          <p:cNvPicPr>
+            <a:picLocks noChangeAspect="1"/>
+          </p:cNvPicPr>
+          <p:nvPr/>
+        </p:nvPicPr>
+        <p:blipFill>
+          <a:blip r:embed="rId2"/>
+          <a:stretch>
+            <a:fillRect/>
+          </a:stretch>
+        </p:blipFill>
+        <p:spPr>
+          <a:xfrm>
+            <a:off x="9337862" y="2220119"/>
+            <a:ext cx="1638300" cy="1781175"/>
+          </a:xfrm>
+          <a:prstGeom prst="rect">
+            <a:avLst/>
+          </a:prstGeom>
+        </p:spPr>
+      </p:pic>
+      <p:sp>
+        <p:nvSpPr>
+          <p:cNvPr id="8" name="ZoneTexte 7"/>
+          <p:cNvSpPr txBox="1"/>
+          <p:nvPr/>
+        </p:nvSpPr>
+        <p:spPr>
+          <a:xfrm>
+            <a:off x="9646023" y="2849096"/>
+            <a:ext cx="1021977" cy="523220"/>
+          </a:xfrm>
+          <a:prstGeom prst="rect">
+            <a:avLst/>
+          </a:prstGeom>
+          <a:noFill/>
+        </p:spPr>
+        <p:txBody>
+          <a:bodyPr wrap="square" rtlCol="0">
+            <a:spAutoFit/>
+          </a:bodyPr>
+          <a:lstStyle/>
+          <a:p>
+            <a:r>
+              <a:rPr lang="fr-FR" sz="2800" dirty="0">
+                <a:solidFill>
+                  <a:srgbClr val="002060"/>
+                </a:solidFill>
+              </a:rPr>
+              <a:t>[B](t)</a:t>
+            </a:r>
+          </a:p>
+        </p:txBody>
+      </p:sp>
+      <p:pic>
+        <p:nvPicPr>
+          <p:cNvPr id="11268" name="Picture 4" descr="https://latex.codecogs.com/gif.latex?%5Cdpi%7B200%7D%20%5Chuge%20v%3Dk%5BClO%5E-%5D%5E%5Cbeta%20%5BB%5D%5E%5Calpha"/>
+          <p:cNvPicPr>
+            <a:picLocks noChangeAspect="1" noChangeArrowheads="1"/>
+          </p:cNvPicPr>
+          <p:nvPr/>
+        </p:nvPicPr>
+        <p:blipFill>
+          <a:blip r:embed="rId3">
+            <a:extLst>
+              <a:ext uri="{28A0092B-C50C-407E-A947-70E740481C1C}">
+                <a14:useLocalDpi xmlns:a14="http://schemas.microsoft.com/office/drawing/2010/main" val="0"/>
+              </a:ext>
+            </a:extLst>
+          </a:blip>
+          <a:srcRect/>
+          <a:stretch>
+            <a:fillRect/>
+          </a:stretch>
+        </p:blipFill>
+        <p:spPr bwMode="auto">
+          <a:xfrm>
+            <a:off x="3784973" y="2029945"/>
+            <a:ext cx="5019675" cy="819151"/>
+          </a:xfrm>
+          <a:prstGeom prst="rect">
+            <a:avLst/>
+          </a:prstGeom>
+          <a:noFill/>
+          <a:extLst>
+            <a:ext uri="{909E8E84-426E-40DD-AFC4-6F175D3DCCD1}">
+              <a14:hiddenFill xmlns:a14="http://schemas.microsoft.com/office/drawing/2010/main">
+                <a:solidFill>
+                  <a:srgbClr val="FFFFFF"/>
+                </a:solidFill>
+              </a14:hiddenFill>
+            </a:ext>
+          </a:extLst>
+        </p:spPr>
+      </p:pic>
+    </p:spTree>
+    <p:extLst>
+      <p:ext uri="{BB962C8B-B14F-4D97-AF65-F5344CB8AC3E}">
+        <p14:creationId xmlns:p14="http://schemas.microsoft.com/office/powerpoint/2010/main" val="2381062719"/>
+      </p:ext>
+    </p:extLst>
+  </p:cSld>
+  <p:clrMapOvr>
+    <a:masterClrMapping/>
+  </p:clrMapOvr>
+</p:sld>
+</file>
+
+<file path=ppt/slides/slide9.xml><?xml version="1.0" encoding="utf-8"?>
+<p:sld xmlns:a="http://schemas.openxmlformats.org/drawingml/2006/main" xmlns:r="http://schemas.openxmlformats.org/officeDocument/2006/relationships" xmlns:p="http://schemas.openxmlformats.org/presentationml/2006/main">
+  <p:cSld>
+    <p:spTree>
+      <p:nvGrpSpPr>
+        <p:cNvPr id="1" name=""/>
+        <p:cNvGrpSpPr/>
+        <p:nvPr/>
+      </p:nvGrpSpPr>
+      <p:grpSpPr>
+        <a:xfrm>
+          <a:off x="0" y="0"/>
+          <a:ext cx="0" cy="0"/>
+          <a:chOff x="0" y="0"/>
+          <a:chExt cx="0" cy="0"/>
+        </a:xfrm>
+      </p:grpSpPr>
+      <p:sp>
+        <p:nvSpPr>
+          <p:cNvPr id="2" name="Titre 1"/>
+          <p:cNvSpPr>
+            <a:spLocks noGrp="1"/>
+          </p:cNvSpPr>
+          <p:nvPr>
+            <p:ph type="title"/>
+          </p:nvPr>
+        </p:nvSpPr>
+        <p:spPr/>
+        <p:txBody>
+          <a:bodyPr/>
+          <a:lstStyle/>
+          <a:p>
+            <a:pPr algn="ctr"/>
+            <a:r>
+              <a:rPr lang="fr-FR" u="sng" dirty="0">
+                <a:solidFill>
+                  <a:srgbClr val="002060"/>
+                </a:solidFill>
+                <a:latin typeface="+mn-lt"/>
+              </a:rPr>
+              <a:t>Expérience de suivi de la décoloration de l’érythrosine B :</a:t>
+            </a:r>
+            <a:r>
+              <a:rPr lang="fr-FR" dirty="0">
+                <a:solidFill>
+                  <a:srgbClr val="002060"/>
+                </a:solidFill>
+                <a:latin typeface="+mn-lt"/>
+              </a:rPr>
+              <a:t> </a:t>
+            </a:r>
+            <a:r>
+              <a:rPr lang="fr-FR" b="1" dirty="0">
+                <a:solidFill>
+                  <a:srgbClr val="002060"/>
+                </a:solidFill>
+                <a:latin typeface="+mn-lt"/>
+              </a:rPr>
+              <a:t>dégénérescence de l’ordre</a:t>
+            </a:r>
+            <a:endParaRPr lang="fr-FR" b="1" u="sng" dirty="0">
+              <a:solidFill>
+                <a:srgbClr val="002060"/>
+              </a:solidFill>
+              <a:latin typeface="+mn-lt"/>
+            </a:endParaRPr>
+          </a:p>
+        </p:txBody>
+      </p:sp>
+      <p:sp>
+        <p:nvSpPr>
+          <p:cNvPr id="4" name="Espace réservé du contenu 3"/>
+          <p:cNvSpPr>
+            <a:spLocks noGrp="1"/>
+          </p:cNvSpPr>
+          <p:nvPr>
+            <p:ph idx="1"/>
+          </p:nvPr>
+        </p:nvSpPr>
+        <p:spPr/>
+        <p:txBody>
+          <a:bodyPr/>
+          <a:lstStyle/>
+          <a:p>
+            <a:pPr marL="0" indent="0">
+              <a:buNone/>
+            </a:pPr>
+            <a:endParaRPr lang="fr-FR" dirty="0"/>
+          </a:p>
+          <a:p>
+            <a:r>
+              <a:rPr lang="fr-FR" dirty="0"/>
+              <a:t>Modèle utilisé : </a:t>
+            </a:r>
+          </a:p>
+          <a:p>
+            <a:endParaRPr lang="fr-FR" dirty="0"/>
+          </a:p>
+          <a:p>
+            <a:endParaRPr lang="fr-FR" dirty="0"/>
+          </a:p>
+          <a:p>
+            <a:r>
+              <a:rPr lang="fr-FR" dirty="0"/>
+              <a:t>Méthode de </a:t>
+            </a:r>
+            <a:r>
+              <a:rPr lang="fr-FR" u="sng" dirty="0"/>
+              <a:t>dégénérescence de l’ordre</a:t>
+            </a:r>
+            <a:r>
+              <a:rPr lang="fr-FR" dirty="0"/>
+              <a:t>, </a:t>
+            </a:r>
+            <a:r>
+              <a:rPr lang="fr-FR" b="1" dirty="0" err="1"/>
+              <a:t>ClO</a:t>
+            </a:r>
+            <a:r>
+              <a:rPr lang="fr-FR" b="1" baseline="30000" dirty="0"/>
+              <a:t>-</a:t>
+            </a:r>
+            <a:r>
+              <a:rPr lang="fr-FR" b="1" dirty="0"/>
+              <a:t> en large excès</a:t>
+            </a:r>
+            <a:r>
+              <a:rPr lang="fr-FR" dirty="0"/>
+              <a:t>: </a:t>
+            </a:r>
+          </a:p>
+        </p:txBody>
+      </p:sp>
+      <p:pic>
+        <p:nvPicPr>
+          <p:cNvPr id="5" name="Image 4"/>
+          <p:cNvPicPr>
+            <a:picLocks noChangeAspect="1"/>
+          </p:cNvPicPr>
+          <p:nvPr/>
+        </p:nvPicPr>
+        <p:blipFill>
+          <a:blip r:embed="rId2"/>
+          <a:stretch>
+            <a:fillRect/>
+          </a:stretch>
+        </p:blipFill>
+        <p:spPr>
+          <a:xfrm>
+            <a:off x="9337862" y="2220119"/>
+            <a:ext cx="1638300" cy="1781175"/>
+          </a:xfrm>
+          <a:prstGeom prst="rect">
+            <a:avLst/>
+          </a:prstGeom>
+        </p:spPr>
+      </p:pic>
+      <p:sp>
+        <p:nvSpPr>
+          <p:cNvPr id="8" name="ZoneTexte 7"/>
+          <p:cNvSpPr txBox="1"/>
+          <p:nvPr/>
+        </p:nvSpPr>
+        <p:spPr>
+          <a:xfrm>
+            <a:off x="9646023" y="2849096"/>
+            <a:ext cx="1021977" cy="523220"/>
+          </a:xfrm>
+          <a:prstGeom prst="rect">
+            <a:avLst/>
+          </a:prstGeom>
+          <a:noFill/>
+        </p:spPr>
+        <p:txBody>
+          <a:bodyPr wrap="square" rtlCol="0">
+            <a:spAutoFit/>
+          </a:bodyPr>
+          <a:lstStyle/>
+          <a:p>
+            <a:r>
+              <a:rPr lang="fr-FR" sz="2800" dirty="0">
+                <a:solidFill>
+                  <a:srgbClr val="002060"/>
+                </a:solidFill>
+              </a:rPr>
+              <a:t>[B](t)</a:t>
+            </a:r>
+          </a:p>
+        </p:txBody>
+      </p:sp>
+      <p:pic>
+        <p:nvPicPr>
+          <p:cNvPr id="11268" name="Picture 4" descr="https://latex.codecogs.com/gif.latex?%5Cdpi%7B200%7D%20%5Chuge%20v%3Dk%5BClO%5E-%5D%5E%5Cbeta%20%5BB%5D%5E%5Calpha"/>
+          <p:cNvPicPr>
+            <a:picLocks noChangeAspect="1" noChangeArrowheads="1"/>
+          </p:cNvPicPr>
+          <p:nvPr/>
+        </p:nvPicPr>
+        <p:blipFill>
+          <a:blip r:embed="rId3">
+            <a:extLst>
+              <a:ext uri="{28A0092B-C50C-407E-A947-70E740481C1C}">
+                <a14:useLocalDpi xmlns:a14="http://schemas.microsoft.com/office/drawing/2010/main" val="0"/>
+              </a:ext>
+            </a:extLst>
+          </a:blip>
+          <a:srcRect/>
+          <a:stretch>
+            <a:fillRect/>
+          </a:stretch>
+        </p:blipFill>
+        <p:spPr bwMode="auto">
+          <a:xfrm>
+            <a:off x="3784973" y="2029945"/>
+            <a:ext cx="5019675" cy="819151"/>
+          </a:xfrm>
+          <a:prstGeom prst="rect">
+            <a:avLst/>
+          </a:prstGeom>
+          <a:noFill/>
+          <a:extLst>
+            <a:ext uri="{909E8E84-426E-40DD-AFC4-6F175D3DCCD1}">
+              <a14:hiddenFill xmlns:a14="http://schemas.microsoft.com/office/drawing/2010/main">
+                <a:solidFill>
+                  <a:srgbClr val="FFFFFF"/>
+                </a:solidFill>
+              </a14:hiddenFill>
+            </a:ext>
+          </a:extLst>
+        </p:spPr>
+      </p:pic>
+      <p:pic>
+        <p:nvPicPr>
+          <p:cNvPr id="11270" name="Picture 6" descr="https://latex.codecogs.com/gif.latex?%5Cdpi%7B200%7D%20%5Chuge%20k%5BClO%5E-%5D%5E%5Cbeta%3Dcte%3Dk_%7Bapp%7D"/>
+          <p:cNvPicPr>
+            <a:picLocks noChangeAspect="1" noChangeArrowheads="1"/>
+          </p:cNvPicPr>
+          <p:nvPr/>
+        </p:nvPicPr>
+        <p:blipFill>
+          <a:blip r:embed="rId4">
+            <a:extLst>
+              <a:ext uri="{28A0092B-C50C-407E-A947-70E740481C1C}">
+                <a14:useLocalDpi xmlns:a14="http://schemas.microsoft.com/office/drawing/2010/main" val="0"/>
+              </a:ext>
+            </a:extLst>
+          </a:blip>
+          <a:srcRect/>
+          <a:stretch>
+            <a:fillRect/>
+          </a:stretch>
+        </p:blipFill>
+        <p:spPr bwMode="auto">
+          <a:xfrm>
+            <a:off x="2293657" y="4550802"/>
+            <a:ext cx="6286500" cy="857251"/>
+          </a:xfrm>
+          <a:prstGeom prst="rect">
+            <a:avLst/>
+          </a:prstGeom>
+          <a:noFill/>
+          <a:extLst>
+            <a:ext uri="{909E8E84-426E-40DD-AFC4-6F175D3DCCD1}">
+              <a14:hiddenFill xmlns:a14="http://schemas.microsoft.com/office/drawing/2010/main">
+                <a:solidFill>
+                  <a:srgbClr val="FFFFFF"/>
+                </a:solidFill>
+              </a14:hiddenFill>
+            </a:ext>
+          </a:extLst>
+        </p:spPr>
+      </p:pic>
+      <p:sp>
+        <p:nvSpPr>
+          <p:cNvPr id="14" name="Rectangle 13"/>
+          <p:cNvSpPr/>
+          <p:nvPr/>
+        </p:nvSpPr>
+        <p:spPr>
+          <a:xfrm>
+            <a:off x="1913497" y="4415865"/>
+            <a:ext cx="6891151" cy="1045404"/>
+          </a:xfrm>
+          <a:prstGeom prst="rect">
+            <a:avLst/>
+          </a:prstGeom>
+          <a:noFill/>
+          <a:ln w="57150">
+            <a:solidFill>
+              <a:srgbClr val="FF0000"/>
+            </a:solidFill>
+          </a:ln>
+        </p:spPr>
+        <p:style>
+          <a:lnRef idx="2">
+            <a:schemeClr val="accent1">
+              <a:shade val="50000"/>
+            </a:schemeClr>
+          </a:lnRef>
+          <a:fillRef idx="1">
+            <a:schemeClr val="accent1"/>
+          </a:fillRef>
+          <a:effectRef idx="0">
+            <a:schemeClr val="accent1"/>
+          </a:effectRef>
+          <a:fontRef idx="minor">
+            <a:schemeClr val="lt1"/>
+          </a:fontRef>
+        </p:style>
+        <p:txBody>
+          <a:bodyPr rtlCol="0" anchor="ctr"/>
+          <a:lstStyle/>
+          <a:p>
+            <a:pPr algn="ctr"/>
+            <a:endParaRPr lang="fr-FR"/>
+          </a:p>
+        </p:txBody>
+      </p:sp>
+    </p:spTree>
+    <p:extLst>
+      <p:ext uri="{BB962C8B-B14F-4D97-AF65-F5344CB8AC3E}">
+        <p14:creationId xmlns:p14="http://schemas.microsoft.com/office/powerpoint/2010/main" val="1788348670"/>
       </p:ext>
     </p:extLst>
   </p:cSld>
